--- a/Pacman_JavaFX presentation.pptx
+++ b/Pacman_JavaFX presentation.pptx
@@ -5,18 +5,20 @@
     <p:sldMasterId id="2147483660" r:id="rId1"/>
   </p:sldMasterIdLst>
   <p:notesMasterIdLst>
-    <p:notesMasterId r:id="rId11"/>
+    <p:notesMasterId r:id="rId13"/>
   </p:notesMasterIdLst>
   <p:sldIdLst>
     <p:sldId id="256" r:id="rId2"/>
     <p:sldId id="258" r:id="rId3"/>
-    <p:sldId id="259" r:id="rId4"/>
-    <p:sldId id="260" r:id="rId5"/>
-    <p:sldId id="261" r:id="rId6"/>
-    <p:sldId id="262" r:id="rId7"/>
-    <p:sldId id="263" r:id="rId8"/>
-    <p:sldId id="264" r:id="rId9"/>
-    <p:sldId id="265" r:id="rId10"/>
+    <p:sldId id="266" r:id="rId4"/>
+    <p:sldId id="259" r:id="rId5"/>
+    <p:sldId id="260" r:id="rId6"/>
+    <p:sldId id="261" r:id="rId7"/>
+    <p:sldId id="262" r:id="rId8"/>
+    <p:sldId id="263" r:id="rId9"/>
+    <p:sldId id="267" r:id="rId10"/>
+    <p:sldId id="264" r:id="rId11"/>
+    <p:sldId id="265" r:id="rId12"/>
   </p:sldIdLst>
   <p:sldSz cx="9144000" cy="6858000" type="screen4x3"/>
   <p:notesSz cx="6858000" cy="9144000"/>
@@ -200,7 +202,8 @@
           <a:p>
             <a:fld id="{14DEA934-D34F-48AF-B4BC-58A89196850C}" type="datetimeFigureOut">
               <a:rPr lang="ru-RU" smtClean="0"/>
-              <a:t>02.06.2022</a:t>
+              <a:pPr/>
+              <a:t>30.06.2022</a:t>
             </a:fld>
             <a:endParaRPr lang="ru-RU"/>
           </a:p>
@@ -361,6 +364,7 @@
           <a:p>
             <a:fld id="{094370E0-B3D7-4D02-8337-E7D5E8FF762D}" type="slidenum">
               <a:rPr lang="ru-RU" smtClean="0"/>
+              <a:pPr/>
               <a:t>‹#›</a:t>
             </a:fld>
             <a:endParaRPr lang="ru-RU"/>
@@ -532,7 +536,8 @@
           <a:p>
             <a:fld id="{094370E0-B3D7-4D02-8337-E7D5E8FF762D}" type="slidenum">
               <a:rPr lang="ru-RU" smtClean="0"/>
-              <a:t>4</a:t>
+              <a:pPr/>
+              <a:t>5</a:t>
             </a:fld>
             <a:endParaRPr lang="ru-RU"/>
           </a:p>
@@ -613,7 +618,8 @@
           <a:p>
             <a:fld id="{094370E0-B3D7-4D02-8337-E7D5E8FF762D}" type="slidenum">
               <a:rPr lang="ru-RU" smtClean="0"/>
-              <a:t>5</a:t>
+              <a:pPr/>
+              <a:t>6</a:t>
             </a:fld>
             <a:endParaRPr lang="ru-RU"/>
           </a:p>
@@ -694,7 +700,8 @@
           <a:p>
             <a:fld id="{094370E0-B3D7-4D02-8337-E7D5E8FF762D}" type="slidenum">
               <a:rPr lang="ru-RU" smtClean="0"/>
-              <a:t>6</a:t>
+              <a:pPr/>
+              <a:t>7</a:t>
             </a:fld>
             <a:endParaRPr lang="ru-RU"/>
           </a:p>
@@ -775,7 +782,8 @@
           <a:p>
             <a:fld id="{094370E0-B3D7-4D02-8337-E7D5E8FF762D}" type="slidenum">
               <a:rPr lang="ru-RU" smtClean="0"/>
-              <a:t>7</a:t>
+              <a:pPr/>
+              <a:t>8</a:t>
             </a:fld>
             <a:endParaRPr lang="ru-RU"/>
           </a:p>
@@ -856,7 +864,90 @@
           <a:p>
             <a:fld id="{094370E0-B3D7-4D02-8337-E7D5E8FF762D}" type="slidenum">
               <a:rPr lang="ru-RU" smtClean="0"/>
-              <a:t>8</a:t>
+              <a:pPr/>
+              <a:t>9</a:t>
+            </a:fld>
+            <a:endParaRPr lang="ru-RU"/>
+          </a:p>
+        </p:txBody>
+      </p:sp>
+    </p:spTree>
+  </p:cSld>
+  <p:clrMapOvr>
+    <a:masterClrMapping/>
+  </p:clrMapOvr>
+</p:notes>
+</file>
+
+<file path=ppt/notesSlides/notesSlide6.xml><?xml version="1.0" encoding="utf-8"?>
+<p:notes xmlns:a="http://schemas.openxmlformats.org/drawingml/2006/main" xmlns:r="http://schemas.openxmlformats.org/officeDocument/2006/relationships" xmlns:p="http://schemas.openxmlformats.org/presentationml/2006/main">
+  <p:cSld>
+    <p:spTree>
+      <p:nvGrpSpPr>
+        <p:cNvPr id="1" name=""/>
+        <p:cNvGrpSpPr/>
+        <p:nvPr/>
+      </p:nvGrpSpPr>
+      <p:grpSpPr>
+        <a:xfrm>
+          <a:off x="0" y="0"/>
+          <a:ext cx="0" cy="0"/>
+          <a:chOff x="0" y="0"/>
+          <a:chExt cx="0" cy="0"/>
+        </a:xfrm>
+      </p:grpSpPr>
+      <p:sp>
+        <p:nvSpPr>
+          <p:cNvPr id="2" name="Образ слайда 1"/>
+          <p:cNvSpPr>
+            <a:spLocks noGrp="1" noRot="1" noChangeAspect="1"/>
+          </p:cNvSpPr>
+          <p:nvPr>
+            <p:ph type="sldImg"/>
+          </p:nvPr>
+        </p:nvSpPr>
+        <p:spPr/>
+      </p:sp>
+      <p:sp>
+        <p:nvSpPr>
+          <p:cNvPr id="3" name="Заметки 2"/>
+          <p:cNvSpPr>
+            <a:spLocks noGrp="1"/>
+          </p:cNvSpPr>
+          <p:nvPr>
+            <p:ph type="body" idx="1"/>
+          </p:nvPr>
+        </p:nvSpPr>
+        <p:spPr/>
+        <p:txBody>
+          <a:bodyPr>
+            <a:normAutofit/>
+          </a:bodyPr>
+          <a:lstStyle/>
+          <a:p>
+            <a:endParaRPr lang="ru-RU" dirty="0"/>
+          </a:p>
+        </p:txBody>
+      </p:sp>
+      <p:sp>
+        <p:nvSpPr>
+          <p:cNvPr id="4" name="Номер слайда 3"/>
+          <p:cNvSpPr>
+            <a:spLocks noGrp="1"/>
+          </p:cNvSpPr>
+          <p:nvPr>
+            <p:ph type="sldNum" sz="quarter" idx="10"/>
+          </p:nvPr>
+        </p:nvSpPr>
+        <p:spPr/>
+        <p:txBody>
+          <a:bodyPr/>
+          <a:lstStyle/>
+          <a:p>
+            <a:fld id="{094370E0-B3D7-4D02-8337-E7D5E8FF762D}" type="slidenum">
+              <a:rPr lang="ru-RU" smtClean="0"/>
+              <a:pPr/>
+              <a:t>10</a:t>
             </a:fld>
             <a:endParaRPr lang="ru-RU"/>
           </a:p>
@@ -1008,7 +1099,7 @@
             <a:fld id="{5B106E36-FD25-4E2D-B0AA-010F637433A0}" type="datetimeFigureOut">
               <a:rPr lang="ru-RU" smtClean="0"/>
               <a:pPr/>
-              <a:t>02.06.2022</a:t>
+              <a:t>30.06.2022</a:t>
             </a:fld>
             <a:endParaRPr lang="ru-RU"/>
           </a:p>
@@ -1879,7 +1970,7 @@
             <a:fld id="{5B106E36-FD25-4E2D-B0AA-010F637433A0}" type="datetimeFigureOut">
               <a:rPr lang="ru-RU" smtClean="0"/>
               <a:pPr/>
-              <a:t>02.06.2022</a:t>
+              <a:t>30.06.2022</a:t>
             </a:fld>
             <a:endParaRPr lang="ru-RU"/>
           </a:p>
@@ -2056,7 +2147,7 @@
             <a:fld id="{5B106E36-FD25-4E2D-B0AA-010F637433A0}" type="datetimeFigureOut">
               <a:rPr lang="ru-RU" smtClean="0"/>
               <a:pPr/>
-              <a:t>02.06.2022</a:t>
+              <a:t>30.06.2022</a:t>
             </a:fld>
             <a:endParaRPr lang="ru-RU"/>
           </a:p>
@@ -2228,7 +2319,7 @@
             <a:fld id="{5B106E36-FD25-4E2D-B0AA-010F637433A0}" type="datetimeFigureOut">
               <a:rPr lang="ru-RU" smtClean="0"/>
               <a:pPr/>
-              <a:t>02.06.2022</a:t>
+              <a:t>30.06.2022</a:t>
             </a:fld>
             <a:endParaRPr lang="ru-RU"/>
           </a:p>
@@ -2440,7 +2531,7 @@
             <a:fld id="{5B106E36-FD25-4E2D-B0AA-010F637433A0}" type="datetimeFigureOut">
               <a:rPr lang="ru-RU" smtClean="0"/>
               <a:pPr/>
-              <a:t>02.06.2022</a:t>
+              <a:t>30.06.2022</a:t>
             </a:fld>
             <a:endParaRPr lang="ru-RU"/>
           </a:p>
@@ -3256,7 +3347,7 @@
             <a:fld id="{5B106E36-FD25-4E2D-B0AA-010F637433A0}" type="datetimeFigureOut">
               <a:rPr lang="ru-RU" smtClean="0"/>
               <a:pPr/>
-              <a:t>02.06.2022</a:t>
+              <a:t>30.06.2022</a:t>
             </a:fld>
             <a:endParaRPr lang="ru-RU"/>
           </a:p>
@@ -3494,7 +3585,7 @@
             <a:fld id="{5B106E36-FD25-4E2D-B0AA-010F637433A0}" type="datetimeFigureOut">
               <a:rPr lang="ru-RU" smtClean="0"/>
               <a:pPr/>
-              <a:t>02.06.2022</a:t>
+              <a:t>30.06.2022</a:t>
             </a:fld>
             <a:endParaRPr lang="ru-RU"/>
           </a:p>
@@ -3819,7 +3910,7 @@
             <a:fld id="{5B106E36-FD25-4E2D-B0AA-010F637433A0}" type="datetimeFigureOut">
               <a:rPr lang="ru-RU" smtClean="0"/>
               <a:pPr/>
-              <a:t>02.06.2022</a:t>
+              <a:t>30.06.2022</a:t>
             </a:fld>
             <a:endParaRPr lang="ru-RU"/>
           </a:p>
@@ -3911,7 +4002,7 @@
             <a:fld id="{5B106E36-FD25-4E2D-B0AA-010F637433A0}" type="datetimeFigureOut">
               <a:rPr lang="ru-RU" smtClean="0"/>
               <a:pPr/>
-              <a:t>02.06.2022</a:t>
+              <a:t>30.06.2022</a:t>
             </a:fld>
             <a:endParaRPr lang="ru-RU"/>
           </a:p>
@@ -4430,7 +4521,7 @@
             <a:fld id="{5B106E36-FD25-4E2D-B0AA-010F637433A0}" type="datetimeFigureOut">
               <a:rPr lang="ru-RU" smtClean="0"/>
               <a:pPr/>
-              <a:t>02.06.2022</a:t>
+              <a:t>30.06.2022</a:t>
             </a:fld>
             <a:endParaRPr lang="ru-RU"/>
           </a:p>
@@ -4943,7 +5034,7 @@
             <a:fld id="{5B106E36-FD25-4E2D-B0AA-010F637433A0}" type="datetimeFigureOut">
               <a:rPr lang="ru-RU" smtClean="0"/>
               <a:pPr/>
-              <a:t>02.06.2022</a:t>
+              <a:t>30.06.2022</a:t>
             </a:fld>
             <a:endParaRPr lang="ru-RU"/>
           </a:p>
@@ -5190,7 +5281,7 @@
             <a:fld id="{5B106E36-FD25-4E2D-B0AA-010F637433A0}" type="datetimeFigureOut">
               <a:rPr lang="ru-RU" smtClean="0"/>
               <a:pPr/>
-              <a:t>02.06.2022</a:t>
+              <a:t>30.06.2022</a:t>
             </a:fld>
             <a:endParaRPr lang="ru-RU"/>
           </a:p>
@@ -5938,6 +6029,284 @@
 </p:sld>
 </file>
 
+<file path=ppt/slides/slide10.xml><?xml version="1.0" encoding="utf-8"?>
+<p:sld xmlns:a="http://schemas.openxmlformats.org/drawingml/2006/main" xmlns:r="http://schemas.openxmlformats.org/officeDocument/2006/relationships" xmlns:p="http://schemas.openxmlformats.org/presentationml/2006/main">
+  <p:cSld>
+    <p:spTree>
+      <p:nvGrpSpPr>
+        <p:cNvPr id="1" name=""/>
+        <p:cNvGrpSpPr/>
+        <p:nvPr/>
+      </p:nvGrpSpPr>
+      <p:grpSpPr>
+        <a:xfrm>
+          <a:off x="0" y="0"/>
+          <a:ext cx="0" cy="0"/>
+          <a:chOff x="0" y="0"/>
+          <a:chExt cx="0" cy="0"/>
+        </a:xfrm>
+      </p:grpSpPr>
+      <p:sp>
+        <p:nvSpPr>
+          <p:cNvPr id="2" name="Заголовок 1"/>
+          <p:cNvSpPr>
+            <a:spLocks noGrp="1"/>
+          </p:cNvSpPr>
+          <p:nvPr>
+            <p:ph type="title"/>
+          </p:nvPr>
+        </p:nvSpPr>
+        <p:spPr>
+          <a:xfrm>
+            <a:off x="755576" y="188640"/>
+            <a:ext cx="7467600" cy="580926"/>
+          </a:xfrm>
+        </p:spPr>
+        <p:txBody>
+          <a:bodyPr/>
+          <a:lstStyle/>
+          <a:p>
+            <a:pPr algn="ctr"/>
+            <a:r>
+              <a:rPr lang="ru-RU" dirty="0" smtClean="0">
+                <a:solidFill>
+                  <a:schemeClr val="tx1"/>
+                </a:solidFill>
+              </a:rPr>
+              <a:t>База данных</a:t>
+            </a:r>
+            <a:endParaRPr lang="ru-RU" dirty="0">
+              <a:solidFill>
+                <a:schemeClr val="tx1"/>
+              </a:solidFill>
+            </a:endParaRPr>
+          </a:p>
+        </p:txBody>
+      </p:sp>
+      <p:pic>
+        <p:nvPicPr>
+          <p:cNvPr id="7170" name="Picture 2"/>
+          <p:cNvPicPr>
+            <a:picLocks noGrp="1" noChangeAspect="1" noChangeArrowheads="1"/>
+          </p:cNvPicPr>
+          <p:nvPr>
+            <p:ph sz="quarter" idx="1"/>
+          </p:nvPr>
+        </p:nvPicPr>
+        <p:blipFill>
+          <a:blip r:embed="rId3" cstate="print"/>
+          <a:srcRect/>
+          <a:stretch>
+            <a:fillRect/>
+          </a:stretch>
+        </p:blipFill>
+        <p:spPr bwMode="auto">
+          <a:xfrm>
+            <a:off x="395536" y="1556792"/>
+            <a:ext cx="5638415" cy="2736304"/>
+          </a:xfrm>
+          <a:prstGeom prst="rect">
+            <a:avLst/>
+          </a:prstGeom>
+          <a:noFill/>
+          <a:ln w="9525">
+            <a:noFill/>
+            <a:miter lim="800000"/>
+            <a:headEnd/>
+            <a:tailEnd/>
+          </a:ln>
+        </p:spPr>
+      </p:pic>
+      <p:sp>
+        <p:nvSpPr>
+          <p:cNvPr id="9" name="TextBox 8"/>
+          <p:cNvSpPr txBox="1"/>
+          <p:nvPr/>
+        </p:nvSpPr>
+        <p:spPr>
+          <a:xfrm>
+            <a:off x="611560" y="1124744"/>
+            <a:ext cx="4328429" cy="400110"/>
+          </a:xfrm>
+          <a:prstGeom prst="rect">
+            <a:avLst/>
+          </a:prstGeom>
+          <a:noFill/>
+        </p:spPr>
+        <p:txBody>
+          <a:bodyPr wrap="none" rtlCol="0">
+            <a:spAutoFit/>
+          </a:bodyPr>
+          <a:lstStyle/>
+          <a:p>
+            <a:r>
+              <a:rPr lang="ru-RU" sz="2000" dirty="0" smtClean="0"/>
+              <a:t>База данных состоит из 2 таблиц:</a:t>
+            </a:r>
+            <a:endParaRPr lang="ru-RU" sz="2000" dirty="0"/>
+          </a:p>
+        </p:txBody>
+      </p:sp>
+      <p:sp>
+        <p:nvSpPr>
+          <p:cNvPr id="10" name="TextBox 9"/>
+          <p:cNvSpPr txBox="1"/>
+          <p:nvPr/>
+        </p:nvSpPr>
+        <p:spPr>
+          <a:xfrm>
+            <a:off x="6372200" y="3356992"/>
+            <a:ext cx="2380780" cy="1292662"/>
+          </a:xfrm>
+          <a:prstGeom prst="rect">
+            <a:avLst/>
+          </a:prstGeom>
+          <a:noFill/>
+        </p:spPr>
+        <p:txBody>
+          <a:bodyPr wrap="none" rtlCol="0">
+            <a:spAutoFit/>
+          </a:bodyPr>
+          <a:lstStyle/>
+          <a:p>
+            <a:r>
+              <a:rPr lang="ru-RU" sz="2000" dirty="0" smtClean="0"/>
+              <a:t>Взаимодействие</a:t>
+            </a:r>
+          </a:p>
+          <a:p>
+            <a:r>
+              <a:rPr lang="ru-RU" sz="2000" dirty="0" smtClean="0"/>
+              <a:t>с БД реализовано</a:t>
+            </a:r>
+          </a:p>
+          <a:p>
+            <a:r>
+              <a:rPr lang="ru-RU" sz="2000" dirty="0" smtClean="0"/>
+              <a:t>по паттерну </a:t>
+            </a:r>
+            <a:r>
+              <a:rPr lang="en-US" sz="2000" b="1" dirty="0" smtClean="0"/>
+              <a:t>DAO</a:t>
+            </a:r>
+            <a:endParaRPr lang="ru-RU" sz="2000" b="1" dirty="0" smtClean="0"/>
+          </a:p>
+          <a:p>
+            <a:endParaRPr lang="ru-RU" dirty="0"/>
+          </a:p>
+        </p:txBody>
+      </p:sp>
+      <p:pic>
+        <p:nvPicPr>
+          <p:cNvPr id="7171" name="Picture 3"/>
+          <p:cNvPicPr>
+            <a:picLocks noChangeAspect="1" noChangeArrowheads="1"/>
+          </p:cNvPicPr>
+          <p:nvPr/>
+        </p:nvPicPr>
+        <p:blipFill>
+          <a:blip r:embed="rId4" cstate="print"/>
+          <a:srcRect/>
+          <a:stretch>
+            <a:fillRect/>
+          </a:stretch>
+        </p:blipFill>
+        <p:spPr bwMode="auto">
+          <a:xfrm>
+            <a:off x="611560" y="4797152"/>
+            <a:ext cx="6343650" cy="1155700"/>
+          </a:xfrm>
+          <a:prstGeom prst="rect">
+            <a:avLst/>
+          </a:prstGeom>
+          <a:noFill/>
+          <a:ln w="9525">
+            <a:noFill/>
+            <a:miter lim="800000"/>
+            <a:headEnd/>
+            <a:tailEnd/>
+          </a:ln>
+        </p:spPr>
+      </p:pic>
+    </p:spTree>
+  </p:cSld>
+  <p:clrMapOvr>
+    <a:masterClrMapping/>
+  </p:clrMapOvr>
+  <p:timing>
+    <p:tnLst>
+      <p:par>
+        <p:cTn id="1" dur="indefinite" restart="never" nodeType="tmRoot"/>
+      </p:par>
+    </p:tnLst>
+  </p:timing>
+</p:sld>
+</file>
+
+<file path=ppt/slides/slide11.xml><?xml version="1.0" encoding="utf-8"?>
+<p:sld xmlns:a="http://schemas.openxmlformats.org/drawingml/2006/main" xmlns:r="http://schemas.openxmlformats.org/officeDocument/2006/relationships" xmlns:p="http://schemas.openxmlformats.org/presentationml/2006/main">
+  <p:cSld>
+    <p:spTree>
+      <p:nvGrpSpPr>
+        <p:cNvPr id="1" name=""/>
+        <p:cNvGrpSpPr/>
+        <p:nvPr/>
+      </p:nvGrpSpPr>
+      <p:grpSpPr>
+        <a:xfrm>
+          <a:off x="0" y="0"/>
+          <a:ext cx="0" cy="0"/>
+          <a:chOff x="0" y="0"/>
+          <a:chExt cx="0" cy="0"/>
+        </a:xfrm>
+      </p:grpSpPr>
+      <p:sp>
+        <p:nvSpPr>
+          <p:cNvPr id="2" name="Заголовок 1"/>
+          <p:cNvSpPr>
+            <a:spLocks noGrp="1"/>
+          </p:cNvSpPr>
+          <p:nvPr>
+            <p:ph type="title"/>
+          </p:nvPr>
+        </p:nvSpPr>
+        <p:spPr>
+          <a:xfrm>
+            <a:off x="755576" y="2276872"/>
+            <a:ext cx="7467600" cy="1143000"/>
+          </a:xfrm>
+        </p:spPr>
+        <p:txBody>
+          <a:bodyPr>
+            <a:normAutofit/>
+          </a:bodyPr>
+          <a:lstStyle/>
+          <a:p>
+            <a:pPr algn="ctr"/>
+            <a:r>
+              <a:rPr lang="ru-RU" sz="4400" dirty="0" smtClean="0">
+                <a:solidFill>
+                  <a:schemeClr val="tx1"/>
+                </a:solidFill>
+              </a:rPr>
+              <a:t>Спасибо за внимание</a:t>
+            </a:r>
+            <a:endParaRPr lang="ru-RU" sz="4400" dirty="0">
+              <a:solidFill>
+                <a:schemeClr val="tx1"/>
+              </a:solidFill>
+            </a:endParaRPr>
+          </a:p>
+        </p:txBody>
+      </p:sp>
+    </p:spTree>
+  </p:cSld>
+  <p:clrMapOvr>
+    <a:masterClrMapping/>
+  </p:clrMapOvr>
+</p:sld>
+</file>
+
 <file path=ppt/slides/slide2.xml><?xml version="1.0" encoding="utf-8"?>
 <p:sld xmlns:a="http://schemas.openxmlformats.org/drawingml/2006/main" xmlns:r="http://schemas.openxmlformats.org/officeDocument/2006/relationships" xmlns:p="http://schemas.openxmlformats.org/presentationml/2006/main">
   <p:cSld>
@@ -5967,7 +6336,7 @@
         </p:nvSpPr>
         <p:spPr>
           <a:xfrm>
-            <a:off x="467544" y="188640"/>
+            <a:off x="827584" y="116632"/>
             <a:ext cx="7467600" cy="724942"/>
           </a:xfrm>
         </p:spPr>
@@ -6027,10 +6396,10 @@
                   </a:schemeClr>
                 </a:solidFill>
               </a:rPr>
-              <a:t>Реализовать широко-известную игру </a:t>
-            </a:r>
-            <a:r>
-              <a:rPr lang="en-US" dirty="0" smtClean="0">
+              <a:t>Реализовать </a:t>
+            </a:r>
+            <a:r>
+              <a:rPr lang="ru-RU" dirty="0" smtClean="0">
                 <a:solidFill>
                   <a:schemeClr val="tx1">
                     <a:lumMod val="85000"/>
@@ -6038,13 +6407,8 @@
                   </a:schemeClr>
                 </a:solidFill>
               </a:rPr>
-              <a:t>Pac-Man</a:t>
-            </a:r>
-          </a:p>
-          <a:p>
-            <a:pPr>
-              <a:buNone/>
-            </a:pPr>
+              <a:t>популярную</a:t>
+            </a:r>
             <a:r>
               <a:rPr lang="ru-RU" dirty="0" smtClean="0">
                 <a:solidFill>
@@ -6054,10 +6418,10 @@
                   </a:schemeClr>
                 </a:solidFill>
               </a:rPr>
-              <a:t>с использованием средств </a:t>
-            </a:r>
-            <a:r>
-              <a:rPr lang="en-US" dirty="0" err="1" smtClean="0">
+              <a:t> </a:t>
+            </a:r>
+            <a:r>
+              <a:rPr lang="ru-RU" dirty="0" smtClean="0">
                 <a:solidFill>
                   <a:schemeClr val="tx1">
                     <a:lumMod val="85000"/>
@@ -6065,7 +6429,7 @@
                   </a:schemeClr>
                 </a:solidFill>
               </a:rPr>
-              <a:t>JavaFX</a:t>
+              <a:t>игру </a:t>
             </a:r>
             <a:r>
               <a:rPr lang="en-US" dirty="0" smtClean="0">
@@ -6076,8 +6440,13 @@
                   </a:schemeClr>
                 </a:solidFill>
               </a:rPr>
-              <a:t>,</a:t>
-            </a:r>
+              <a:t>Pac-Man</a:t>
+            </a:r>
+          </a:p>
+          <a:p>
+            <a:pPr>
+              <a:buNone/>
+            </a:pPr>
             <a:r>
               <a:rPr lang="ru-RU" dirty="0" smtClean="0">
                 <a:solidFill>
@@ -6087,10 +6456,10 @@
                   </a:schemeClr>
                 </a:solidFill>
               </a:rPr>
-              <a:t> </a:t>
-            </a:r>
-            <a:r>
-              <a:rPr lang="ru-RU" dirty="0" err="1" smtClean="0">
+              <a:t>с использованием средств </a:t>
+            </a:r>
+            <a:r>
+              <a:rPr lang="en-US" dirty="0" err="1" smtClean="0">
                 <a:solidFill>
                   <a:schemeClr val="tx1">
                     <a:lumMod val="85000"/>
@@ -6098,7 +6467,7 @@
                   </a:schemeClr>
                 </a:solidFill>
               </a:rPr>
-              <a:t>многопоточностью</a:t>
+              <a:t>JavaFX</a:t>
             </a:r>
             <a:r>
               <a:rPr lang="en-US" dirty="0" smtClean="0">
@@ -6109,13 +6478,8 @@
                   </a:schemeClr>
                 </a:solidFill>
               </a:rPr>
-              <a:t>, </a:t>
-            </a:r>
-          </a:p>
-          <a:p>
-            <a:pPr>
-              <a:buNone/>
-            </a:pPr>
+              <a:t>,</a:t>
+            </a:r>
             <a:r>
               <a:rPr lang="ru-RU" dirty="0" smtClean="0">
                 <a:solidFill>
@@ -6125,10 +6489,10 @@
                   </a:schemeClr>
                 </a:solidFill>
               </a:rPr>
-              <a:t>м</a:t>
-            </a:r>
-            <a:r>
-              <a:rPr lang="ru-RU" dirty="0" smtClean="0">
+              <a:t> </a:t>
+            </a:r>
+            <a:r>
+              <a:rPr lang="ru-RU" dirty="0" err="1" smtClean="0">
                 <a:solidFill>
                   <a:schemeClr val="tx1">
                     <a:lumMod val="85000"/>
@@ -6136,7 +6500,7 @@
                   </a:schemeClr>
                 </a:solidFill>
               </a:rPr>
-              <a:t>ежсетевым взаимодействием и базой данных </a:t>
+              <a:t>многопоточностью</a:t>
             </a:r>
             <a:r>
               <a:rPr lang="en-US" dirty="0" smtClean="0">
@@ -6147,7 +6511,58 @@
                   </a:schemeClr>
                 </a:solidFill>
               </a:rPr>
+              <a:t>, </a:t>
+            </a:r>
+          </a:p>
+          <a:p>
+            <a:pPr>
+              <a:buNone/>
+            </a:pPr>
+            <a:r>
+              <a:rPr lang="ru-RU" dirty="0" smtClean="0">
+                <a:solidFill>
+                  <a:schemeClr val="tx1">
+                    <a:lumMod val="85000"/>
+                    <a:lumOff val="15000"/>
+                  </a:schemeClr>
+                </a:solidFill>
+              </a:rPr>
+              <a:t>межсетевым взаимодействием и базой данных </a:t>
+            </a:r>
+            <a:r>
+              <a:rPr lang="en-US" dirty="0" smtClean="0">
+                <a:solidFill>
+                  <a:schemeClr val="tx1">
+                    <a:lumMod val="85000"/>
+                    <a:lumOff val="15000"/>
+                  </a:schemeClr>
+                </a:solidFill>
+              </a:rPr>
               <a:t>Oracle</a:t>
+            </a:r>
+          </a:p>
+          <a:p>
+            <a:r>
+              <a:rPr lang="ru-RU" dirty="0" smtClean="0">
+                <a:solidFill>
+                  <a:schemeClr val="tx1">
+                    <a:lumMod val="85000"/>
+                    <a:lumOff val="15000"/>
+                  </a:schemeClr>
+                </a:solidFill>
+              </a:rPr>
+              <a:t>Реализовать </a:t>
+            </a:r>
+            <a:r>
+              <a:rPr lang="ru-RU" dirty="0" err="1" smtClean="0">
+                <a:solidFill>
+                  <a:schemeClr val="tx1">
+                    <a:lumMod val="85000"/>
+                    <a:lumOff val="15000"/>
+                  </a:schemeClr>
+                </a:solidFill>
+              </a:rPr>
+              <a:t>мультиплеер</a:t>
             </a:r>
             <a:endParaRPr lang="ru-RU" dirty="0">
               <a:solidFill>
@@ -6204,8 +6619,8 @@
         </p:nvSpPr>
         <p:spPr>
           <a:xfrm>
-            <a:off x="395536" y="332656"/>
-            <a:ext cx="7467600" cy="652934"/>
+            <a:off x="827584" y="116632"/>
+            <a:ext cx="7467600" cy="724942"/>
           </a:xfrm>
         </p:spPr>
         <p:txBody>
@@ -6222,18 +6637,7 @@
                   </a:schemeClr>
                 </a:solidFill>
               </a:rPr>
-              <a:t>Использование </a:t>
-            </a:r>
-            <a:r>
-              <a:rPr lang="en-US" dirty="0" err="1" smtClean="0">
-                <a:solidFill>
-                  <a:schemeClr val="tx1">
-                    <a:lumMod val="85000"/>
-                    <a:lumOff val="15000"/>
-                  </a:schemeClr>
-                </a:solidFill>
-              </a:rPr>
-              <a:t>JavaFX</a:t>
+              <a:t>Участники</a:t>
             </a:r>
             <a:endParaRPr lang="ru-RU" dirty="0">
               <a:solidFill>
@@ -6246,265 +6650,273 @@
           </a:p>
         </p:txBody>
       </p:sp>
-      <p:pic>
-        <p:nvPicPr>
-          <p:cNvPr id="1026" name="Picture 2"/>
-          <p:cNvPicPr>
-            <a:picLocks noGrp="1" noChangeAspect="1" noChangeArrowheads="1"/>
-          </p:cNvPicPr>
+      <p:sp>
+        <p:nvSpPr>
+          <p:cNvPr id="3" name="Содержимое 2"/>
+          <p:cNvSpPr>
+            <a:spLocks noGrp="1"/>
+          </p:cNvSpPr>
           <p:nvPr>
             <p:ph sz="quarter" idx="1"/>
           </p:nvPr>
-        </p:nvPicPr>
-        <p:blipFill>
-          <a:blip r:embed="rId2" cstate="print"/>
-          <a:srcRect/>
-          <a:stretch>
-            <a:fillRect/>
-          </a:stretch>
-        </p:blipFill>
-        <p:spPr bwMode="auto">
-          <a:xfrm>
-            <a:off x="251520" y="1052736"/>
-            <a:ext cx="3761088" cy="3888432"/>
-          </a:xfrm>
-          <a:prstGeom prst="rect">
-            <a:avLst/>
-          </a:prstGeom>
-          <a:noFill/>
-          <a:ln w="9525">
-            <a:noFill/>
-            <a:miter lim="800000"/>
-            <a:headEnd/>
-            <a:tailEnd/>
-          </a:ln>
-        </p:spPr>
-      </p:pic>
-      <p:sp>
-        <p:nvSpPr>
-          <p:cNvPr id="5" name="TextBox 4"/>
-          <p:cNvSpPr txBox="1"/>
-          <p:nvPr/>
         </p:nvSpPr>
         <p:spPr>
           <a:xfrm>
-            <a:off x="4283968" y="1340768"/>
-            <a:ext cx="4528804" cy="2123658"/>
-          </a:xfrm>
-          <a:prstGeom prst="rect">
-            <a:avLst/>
-          </a:prstGeom>
-          <a:noFill/>
-        </p:spPr>
-        <p:txBody>
-          <a:bodyPr wrap="none" rtlCol="0">
-            <a:spAutoFit/>
-          </a:bodyPr>
-          <a:lstStyle/>
+            <a:off x="457200" y="1600200"/>
+            <a:ext cx="8147248" cy="4873752"/>
+          </a:xfrm>
+        </p:spPr>
+        <p:txBody>
+          <a:bodyPr/>
+          <a:lstStyle/>
+          <a:p>
+            <a:r>
+              <a:rPr lang="ru-RU" dirty="0" err="1" smtClean="0">
+                <a:solidFill>
+                  <a:schemeClr val="tx1">
+                    <a:lumMod val="85000"/>
+                    <a:lumOff val="15000"/>
+                  </a:schemeClr>
+                </a:solidFill>
+              </a:rPr>
+              <a:t>Беломы</a:t>
+            </a:r>
+            <a:r>
+              <a:rPr lang="ru-RU" dirty="0" err="1" smtClean="0">
+                <a:solidFill>
+                  <a:schemeClr val="tx1">
+                    <a:lumMod val="85000"/>
+                    <a:lumOff val="15000"/>
+                  </a:schemeClr>
+                </a:solidFill>
+              </a:rPr>
+              <a:t>тцев</a:t>
+            </a:r>
+            <a:r>
+              <a:rPr lang="ru-RU" dirty="0" smtClean="0">
+                <a:solidFill>
+                  <a:schemeClr val="tx1">
+                    <a:lumMod val="85000"/>
+                    <a:lumOff val="15000"/>
+                  </a:schemeClr>
+                </a:solidFill>
+              </a:rPr>
+              <a:t> Владислав Романович «</a:t>
+            </a:r>
+            <a:r>
+              <a:rPr lang="en-US" dirty="0" err="1" smtClean="0">
+                <a:solidFill>
+                  <a:schemeClr val="tx1">
+                    <a:lumMod val="85000"/>
+                    <a:lumOff val="15000"/>
+                  </a:schemeClr>
+                </a:solidFill>
+              </a:rPr>
+              <a:t>GosuUHC</a:t>
+            </a:r>
+            <a:r>
+              <a:rPr lang="ru-RU" dirty="0" smtClean="0">
+                <a:solidFill>
+                  <a:schemeClr val="tx1">
+                    <a:lumMod val="85000"/>
+                    <a:lumOff val="15000"/>
+                  </a:schemeClr>
+                </a:solidFill>
+              </a:rPr>
+              <a:t>»:</a:t>
+            </a:r>
+          </a:p>
           <a:p>
             <a:pPr>
-              <a:buFont typeface="Arial" pitchFamily="34" charset="0"/>
-              <a:buChar char="•"/>
+              <a:buNone/>
             </a:pPr>
             <a:r>
-              <a:rPr lang="en-US" sz="2200" dirty="0" smtClean="0"/>
-              <a:t> </a:t>
-            </a:r>
-            <a:r>
-              <a:rPr lang="ru-RU" sz="2200" dirty="0" smtClean="0"/>
-              <a:t>Мы использовали </a:t>
-            </a:r>
-            <a:r>
-              <a:rPr lang="en-US" sz="2200" dirty="0" err="1" smtClean="0"/>
-              <a:t>JavaFX</a:t>
-            </a:r>
-            <a:r>
-              <a:rPr lang="en-US" sz="2200" dirty="0" smtClean="0"/>
-              <a:t> </a:t>
-            </a:r>
-            <a:r>
-              <a:rPr lang="ru-RU" sz="2200" dirty="0" smtClean="0"/>
-              <a:t>для </a:t>
-            </a:r>
-          </a:p>
-          <a:p>
-            <a:r>
-              <a:rPr lang="ru-RU" sz="2200" dirty="0" smtClean="0"/>
-              <a:t> </a:t>
-            </a:r>
-            <a:r>
-              <a:rPr lang="ru-RU" sz="2200" dirty="0" smtClean="0"/>
-              <a:t> отображения сцен: </a:t>
+              <a:rPr lang="ru-RU" dirty="0" smtClean="0">
+                <a:solidFill>
+                  <a:schemeClr val="tx1">
+                    <a:lumMod val="85000"/>
+                    <a:lumOff val="15000"/>
+                  </a:schemeClr>
+                </a:solidFill>
+              </a:rPr>
+              <a:t>   Сцены, </a:t>
+            </a:r>
+            <a:r>
+              <a:rPr lang="ru-RU" dirty="0" err="1" smtClean="0">
+                <a:solidFill>
+                  <a:schemeClr val="tx1">
+                    <a:lumMod val="85000"/>
+                    <a:lumOff val="15000"/>
+                  </a:schemeClr>
+                </a:solidFill>
+              </a:rPr>
+              <a:t>отрисовка</a:t>
+            </a:r>
+            <a:r>
+              <a:rPr lang="ru-RU" dirty="0" smtClean="0">
+                <a:solidFill>
+                  <a:schemeClr val="tx1">
+                    <a:lumMod val="85000"/>
+                    <a:lumOff val="15000"/>
+                  </a:schemeClr>
+                </a:solidFill>
+              </a:rPr>
+              <a:t>, передвижение, </a:t>
+            </a:r>
+            <a:r>
+              <a:rPr lang="ru-RU" dirty="0" err="1" smtClean="0">
+                <a:solidFill>
+                  <a:schemeClr val="tx1">
+                    <a:lumMod val="85000"/>
+                    <a:lumOff val="15000"/>
+                  </a:schemeClr>
+                </a:solidFill>
+              </a:rPr>
+              <a:t>многопоточность</a:t>
+            </a:r>
+            <a:r>
+              <a:rPr lang="ru-RU" dirty="0" smtClean="0">
+                <a:solidFill>
+                  <a:schemeClr val="tx1">
+                    <a:lumMod val="85000"/>
+                    <a:lumOff val="15000"/>
+                  </a:schemeClr>
+                </a:solidFill>
+              </a:rPr>
+              <a:t>, сетевое взаимодействие, база данных</a:t>
             </a:r>
           </a:p>
           <a:p>
             <a:pPr>
-              <a:buFont typeface="Arial" pitchFamily="34" charset="0"/>
-              <a:buChar char="•"/>
+              <a:buNone/>
             </a:pPr>
-            <a:r>
-              <a:rPr lang="ru-RU" sz="2200" dirty="0" smtClean="0"/>
-              <a:t> </a:t>
-            </a:r>
-            <a:r>
-              <a:rPr lang="ru-RU" sz="2200" dirty="0" smtClean="0"/>
-              <a:t>меню</a:t>
-            </a:r>
-            <a:endParaRPr lang="ru-RU" sz="2200" dirty="0" smtClean="0"/>
-          </a:p>
-          <a:p>
-            <a:pPr>
-              <a:buFont typeface="Arial" pitchFamily="34" charset="0"/>
-              <a:buChar char="•"/>
-            </a:pPr>
-            <a:r>
-              <a:rPr lang="ru-RU" sz="2200" dirty="0" smtClean="0"/>
-              <a:t> результаты</a:t>
-            </a:r>
-          </a:p>
-          <a:p>
-            <a:pPr>
-              <a:buFont typeface="Arial" pitchFamily="34" charset="0"/>
-              <a:buChar char="•"/>
-            </a:pPr>
-            <a:r>
-              <a:rPr lang="ru-RU" sz="2200" dirty="0" smtClean="0"/>
-              <a:t> игра</a:t>
-            </a:r>
-          </a:p>
-          <a:p>
-            <a:pPr>
-              <a:buFont typeface="Arial" pitchFamily="34" charset="0"/>
-              <a:buChar char="•"/>
-            </a:pPr>
-            <a:r>
-              <a:rPr lang="ru-RU" sz="2200" dirty="0" smtClean="0"/>
-              <a:t> </a:t>
-            </a:r>
-            <a:r>
-              <a:rPr lang="ru-RU" sz="2200" dirty="0" smtClean="0"/>
-              <a:t>смерть</a:t>
-            </a:r>
-            <a:endParaRPr lang="ru-RU" sz="2200" dirty="0"/>
-          </a:p>
-        </p:txBody>
-      </p:sp>
-      <p:sp>
-        <p:nvSpPr>
-          <p:cNvPr id="6" name="TextBox 5"/>
-          <p:cNvSpPr txBox="1"/>
-          <p:nvPr/>
-        </p:nvSpPr>
-        <p:spPr>
-          <a:xfrm>
-            <a:off x="1187624" y="5013176"/>
-            <a:ext cx="1757212" cy="369332"/>
-          </a:xfrm>
-          <a:prstGeom prst="rect">
-            <a:avLst/>
-          </a:prstGeom>
-          <a:noFill/>
-        </p:spPr>
-        <p:txBody>
-          <a:bodyPr wrap="none" rtlCol="0">
-            <a:spAutoFit/>
-          </a:bodyPr>
-          <a:lstStyle/>
-          <a:p>
-            <a:r>
-              <a:rPr lang="ru-RU" dirty="0" smtClean="0"/>
-              <a:t>Главное меню</a:t>
-            </a:r>
-            <a:endParaRPr lang="ru-RU" dirty="0"/>
-          </a:p>
-        </p:txBody>
-      </p:sp>
-      <p:sp>
-        <p:nvSpPr>
-          <p:cNvPr id="7" name="TextBox 6"/>
-          <p:cNvSpPr txBox="1"/>
-          <p:nvPr/>
-        </p:nvSpPr>
-        <p:spPr>
-          <a:xfrm>
-            <a:off x="4355976" y="4149080"/>
-            <a:ext cx="4233851" cy="1015663"/>
-          </a:xfrm>
-          <a:prstGeom prst="rect">
-            <a:avLst/>
-          </a:prstGeom>
-          <a:noFill/>
-        </p:spPr>
-        <p:txBody>
-          <a:bodyPr wrap="none" rtlCol="0">
-            <a:spAutoFit/>
-          </a:bodyPr>
-          <a:lstStyle/>
-          <a:p>
-            <a:r>
-              <a:rPr lang="ru-RU" sz="2000" dirty="0" smtClean="0">
-                <a:solidFill>
-                  <a:schemeClr val="tx1">
-                    <a:lumMod val="95000"/>
-                    <a:lumOff val="5000"/>
-                  </a:schemeClr>
-                </a:solidFill>
-              </a:rPr>
-              <a:t>При нажатии кнопки</a:t>
-            </a:r>
-            <a:r>
-              <a:rPr lang="en-US" sz="2000" dirty="0" smtClean="0">
-                <a:solidFill>
-                  <a:schemeClr val="tx1">
-                    <a:lumMod val="95000"/>
-                    <a:lumOff val="5000"/>
-                  </a:schemeClr>
-                </a:solidFill>
-              </a:rPr>
-              <a:t> Start game</a:t>
-            </a:r>
-          </a:p>
-          <a:p>
-            <a:r>
-              <a:rPr lang="ru-RU" sz="2000" dirty="0" smtClean="0">
-                <a:solidFill>
-                  <a:schemeClr val="tx1">
-                    <a:lumMod val="95000"/>
-                    <a:lumOff val="5000"/>
-                  </a:schemeClr>
-                </a:solidFill>
-              </a:rPr>
-              <a:t>инициализируется </a:t>
-            </a:r>
-          </a:p>
-          <a:p>
-            <a:r>
-              <a:rPr lang="ru-RU" sz="2000" dirty="0" smtClean="0">
-                <a:solidFill>
-                  <a:schemeClr val="tx1">
-                    <a:lumMod val="95000"/>
-                    <a:lumOff val="5000"/>
-                  </a:schemeClr>
-                </a:solidFill>
-              </a:rPr>
-              <a:t>класс </a:t>
-            </a:r>
-            <a:r>
-              <a:rPr lang="en-US" sz="2000" b="1" dirty="0" err="1" smtClean="0">
-                <a:solidFill>
-                  <a:schemeClr val="tx1">
-                    <a:lumMod val="95000"/>
-                    <a:lumOff val="5000"/>
-                  </a:schemeClr>
-                </a:solidFill>
-              </a:rPr>
-              <a:t>GamePlayController</a:t>
-            </a:r>
-            <a:endParaRPr lang="ru-RU" sz="2000" b="1" dirty="0">
+            <a:endParaRPr lang="ru-RU" dirty="0" smtClean="0">
               <a:solidFill>
                 <a:schemeClr val="tx1">
-                  <a:lumMod val="95000"/>
-                  <a:lumOff val="5000"/>
+                  <a:lumMod val="85000"/>
+                  <a:lumOff val="15000"/>
+                </a:schemeClr>
+              </a:solidFill>
+            </a:endParaRPr>
+          </a:p>
+          <a:p>
+            <a:r>
+              <a:rPr lang="ru-RU" dirty="0" err="1" smtClean="0">
+                <a:solidFill>
+                  <a:schemeClr val="tx1">
+                    <a:lumMod val="85000"/>
+                    <a:lumOff val="15000"/>
+                  </a:schemeClr>
+                </a:solidFill>
+              </a:rPr>
+              <a:t>Искандиров</a:t>
+            </a:r>
+            <a:r>
+              <a:rPr lang="ru-RU" dirty="0" smtClean="0">
+                <a:solidFill>
+                  <a:schemeClr val="tx1">
+                    <a:lumMod val="85000"/>
+                    <a:lumOff val="15000"/>
+                  </a:schemeClr>
+                </a:solidFill>
+              </a:rPr>
+              <a:t> Марат </a:t>
+            </a:r>
+            <a:r>
+              <a:rPr lang="ru-RU" dirty="0" err="1" smtClean="0">
+                <a:solidFill>
+                  <a:schemeClr val="tx1">
+                    <a:lumMod val="85000"/>
+                    <a:lumOff val="15000"/>
+                  </a:schemeClr>
+                </a:solidFill>
+              </a:rPr>
+              <a:t>Ринатович</a:t>
+            </a:r>
+            <a:r>
+              <a:rPr lang="ru-RU" dirty="0" smtClean="0">
+                <a:solidFill>
+                  <a:schemeClr val="tx1">
+                    <a:lumMod val="85000"/>
+                    <a:lumOff val="15000"/>
+                  </a:schemeClr>
+                </a:solidFill>
+              </a:rPr>
+              <a:t> </a:t>
+            </a:r>
+            <a:r>
+              <a:rPr lang="ru-RU" dirty="0" smtClean="0">
+                <a:solidFill>
+                  <a:schemeClr val="tx1">
+                    <a:lumMod val="85000"/>
+                    <a:lumOff val="15000"/>
+                  </a:schemeClr>
+                </a:solidFill>
+              </a:rPr>
+              <a:t>«</a:t>
+            </a:r>
+            <a:r>
+              <a:rPr lang="en-US" dirty="0" smtClean="0">
+                <a:solidFill>
+                  <a:schemeClr val="tx1">
+                    <a:lumMod val="85000"/>
+                    <a:lumOff val="15000"/>
+                  </a:schemeClr>
+                </a:solidFill>
+              </a:rPr>
+              <a:t>kopch02</a:t>
+            </a:r>
+            <a:r>
+              <a:rPr lang="ru-RU" dirty="0" smtClean="0">
+                <a:solidFill>
+                  <a:schemeClr val="tx1">
+                    <a:lumMod val="85000"/>
+                    <a:lumOff val="15000"/>
+                  </a:schemeClr>
+                </a:solidFill>
+              </a:rPr>
+              <a:t>»</a:t>
+            </a:r>
+            <a:r>
+              <a:rPr lang="en-US" dirty="0" smtClean="0">
+                <a:solidFill>
+                  <a:schemeClr val="tx1">
+                    <a:lumMod val="85000"/>
+                    <a:lumOff val="15000"/>
+                  </a:schemeClr>
+                </a:solidFill>
+              </a:rPr>
+              <a:t>:</a:t>
+            </a:r>
+          </a:p>
+          <a:p>
+            <a:pPr>
+              <a:buNone/>
+            </a:pPr>
+            <a:r>
+              <a:rPr lang="en-US" dirty="0" smtClean="0">
+                <a:solidFill>
+                  <a:schemeClr val="tx1">
+                    <a:lumMod val="85000"/>
+                    <a:lumOff val="15000"/>
+                  </a:schemeClr>
+                </a:solidFill>
+              </a:rPr>
+              <a:t>	</a:t>
+            </a:r>
+            <a:r>
+              <a:rPr lang="ru-RU" dirty="0" smtClean="0"/>
+              <a:t>Алгоритмы </a:t>
+            </a:r>
+            <a:r>
+              <a:rPr lang="ru-RU" dirty="0" smtClean="0"/>
+              <a:t>поведения призраков, взаимодействие игровых элементов (столкновение призраков с игроком, поедание точек)</a:t>
+            </a:r>
+            <a:endParaRPr lang="ru-RU" dirty="0">
+              <a:solidFill>
+                <a:schemeClr val="tx1">
+                  <a:lumMod val="85000"/>
+                  <a:lumOff val="15000"/>
                 </a:schemeClr>
               </a:solidFill>
             </a:endParaRPr>
@@ -6555,8 +6967,8 @@
         </p:nvSpPr>
         <p:spPr>
           <a:xfrm>
-            <a:off x="755576" y="188640"/>
-            <a:ext cx="7467600" cy="580926"/>
+            <a:off x="395536" y="332656"/>
+            <a:ext cx="7467600" cy="652934"/>
           </a:xfrm>
         </p:spPr>
         <p:txBody>
@@ -6565,7 +6977,188 @@
           <a:p>
             <a:pPr algn="ctr"/>
             <a:r>
+              <a:rPr lang="ru-RU" dirty="0" smtClean="0">
+                <a:solidFill>
+                  <a:schemeClr val="tx1">
+                    <a:lumMod val="85000"/>
+                    <a:lumOff val="15000"/>
+                  </a:schemeClr>
+                </a:solidFill>
+              </a:rPr>
+              <a:t>Использование </a:t>
+            </a:r>
+            <a:r>
               <a:rPr lang="en-US" dirty="0" err="1" smtClean="0">
+                <a:solidFill>
+                  <a:schemeClr val="tx1">
+                    <a:lumMod val="85000"/>
+                    <a:lumOff val="15000"/>
+                  </a:schemeClr>
+                </a:solidFill>
+              </a:rPr>
+              <a:t>JavaFX</a:t>
+            </a:r>
+            <a:endParaRPr lang="ru-RU" dirty="0">
+              <a:solidFill>
+                <a:schemeClr val="tx1">
+                  <a:lumMod val="85000"/>
+                  <a:lumOff val="15000"/>
+                </a:schemeClr>
+              </a:solidFill>
+            </a:endParaRPr>
+          </a:p>
+        </p:txBody>
+      </p:sp>
+      <p:sp>
+        <p:nvSpPr>
+          <p:cNvPr id="5" name="TextBox 4"/>
+          <p:cNvSpPr txBox="1"/>
+          <p:nvPr/>
+        </p:nvSpPr>
+        <p:spPr>
+          <a:xfrm>
+            <a:off x="4283968" y="1340768"/>
+            <a:ext cx="4528804" cy="2123658"/>
+          </a:xfrm>
+          <a:prstGeom prst="rect">
+            <a:avLst/>
+          </a:prstGeom>
+          <a:noFill/>
+        </p:spPr>
+        <p:txBody>
+          <a:bodyPr wrap="none" rtlCol="0">
+            <a:spAutoFit/>
+          </a:bodyPr>
+          <a:lstStyle/>
+          <a:p>
+            <a:pPr>
+              <a:buFont typeface="Arial" pitchFamily="34" charset="0"/>
+              <a:buChar char="•"/>
+            </a:pPr>
+            <a:r>
+              <a:rPr lang="en-US" sz="2200" dirty="0" smtClean="0"/>
+              <a:t> </a:t>
+            </a:r>
+            <a:r>
+              <a:rPr lang="ru-RU" sz="2200" dirty="0" smtClean="0"/>
+              <a:t>Мы использовали </a:t>
+            </a:r>
+            <a:r>
+              <a:rPr lang="en-US" sz="2200" dirty="0" err="1" smtClean="0"/>
+              <a:t>JavaFX</a:t>
+            </a:r>
+            <a:r>
+              <a:rPr lang="en-US" sz="2200" dirty="0" smtClean="0"/>
+              <a:t> </a:t>
+            </a:r>
+            <a:r>
+              <a:rPr lang="ru-RU" sz="2200" dirty="0" smtClean="0"/>
+              <a:t>для </a:t>
+            </a:r>
+          </a:p>
+          <a:p>
+            <a:r>
+              <a:rPr lang="ru-RU" sz="2200" dirty="0" smtClean="0"/>
+              <a:t>  отображения сцен: </a:t>
+            </a:r>
+          </a:p>
+          <a:p>
+            <a:pPr>
+              <a:buFont typeface="Arial" pitchFamily="34" charset="0"/>
+              <a:buChar char="•"/>
+            </a:pPr>
+            <a:r>
+              <a:rPr lang="ru-RU" sz="2200" dirty="0" smtClean="0"/>
+              <a:t> меню</a:t>
+            </a:r>
+          </a:p>
+          <a:p>
+            <a:pPr>
+              <a:buFont typeface="Arial" pitchFamily="34" charset="0"/>
+              <a:buChar char="•"/>
+            </a:pPr>
+            <a:r>
+              <a:rPr lang="ru-RU" sz="2200" dirty="0" smtClean="0"/>
+              <a:t> результаты</a:t>
+            </a:r>
+          </a:p>
+          <a:p>
+            <a:pPr>
+              <a:buFont typeface="Arial" pitchFamily="34" charset="0"/>
+              <a:buChar char="•"/>
+            </a:pPr>
+            <a:r>
+              <a:rPr lang="ru-RU" sz="2200" dirty="0" smtClean="0"/>
+              <a:t> игра</a:t>
+            </a:r>
+          </a:p>
+          <a:p>
+            <a:pPr>
+              <a:buFont typeface="Arial" pitchFamily="34" charset="0"/>
+              <a:buChar char="•"/>
+            </a:pPr>
+            <a:r>
+              <a:rPr lang="ru-RU" sz="2200" dirty="0" smtClean="0"/>
+              <a:t> смерть</a:t>
+            </a:r>
+            <a:endParaRPr lang="ru-RU" sz="2200" dirty="0"/>
+          </a:p>
+        </p:txBody>
+      </p:sp>
+      <p:sp>
+        <p:nvSpPr>
+          <p:cNvPr id="6" name="TextBox 5"/>
+          <p:cNvSpPr txBox="1"/>
+          <p:nvPr/>
+        </p:nvSpPr>
+        <p:spPr>
+          <a:xfrm>
+            <a:off x="1331640" y="5085184"/>
+            <a:ext cx="1757212" cy="369332"/>
+          </a:xfrm>
+          <a:prstGeom prst="rect">
+            <a:avLst/>
+          </a:prstGeom>
+          <a:noFill/>
+        </p:spPr>
+        <p:txBody>
+          <a:bodyPr wrap="none" rtlCol="0">
+            <a:spAutoFit/>
+          </a:bodyPr>
+          <a:lstStyle/>
+          <a:p>
+            <a:r>
+              <a:rPr lang="ru-RU" dirty="0" smtClean="0"/>
+              <a:t>Главное меню</a:t>
+            </a:r>
+            <a:endParaRPr lang="ru-RU" dirty="0"/>
+          </a:p>
+        </p:txBody>
+      </p:sp>
+      <p:sp>
+        <p:nvSpPr>
+          <p:cNvPr id="7" name="TextBox 6"/>
+          <p:cNvSpPr txBox="1"/>
+          <p:nvPr/>
+        </p:nvSpPr>
+        <p:spPr>
+          <a:xfrm>
+            <a:off x="4355976" y="4149080"/>
+            <a:ext cx="4233851" cy="1015663"/>
+          </a:xfrm>
+          <a:prstGeom prst="rect">
+            <a:avLst/>
+          </a:prstGeom>
+          <a:noFill/>
+        </p:spPr>
+        <p:txBody>
+          <a:bodyPr wrap="none" rtlCol="0">
+            <a:spAutoFit/>
+          </a:bodyPr>
+          <a:lstStyle/>
+          <a:p>
+            <a:r>
+              <a:rPr lang="ru-RU" sz="2000" dirty="0" smtClean="0">
                 <a:solidFill>
                   <a:schemeClr val="tx1">
                     <a:lumMod val="95000"/>
@@ -6573,9 +7166,57 @@
                   </a:schemeClr>
                 </a:solidFill>
               </a:rPr>
+              <a:t>При нажатии кнопки</a:t>
+            </a:r>
+            <a:r>
+              <a:rPr lang="en-US" sz="2000" dirty="0" smtClean="0">
+                <a:solidFill>
+                  <a:schemeClr val="tx1">
+                    <a:lumMod val="95000"/>
+                    <a:lumOff val="5000"/>
+                  </a:schemeClr>
+                </a:solidFill>
+              </a:rPr>
+              <a:t> Start game</a:t>
+            </a:r>
+          </a:p>
+          <a:p>
+            <a:r>
+              <a:rPr lang="ru-RU" sz="2000" dirty="0" smtClean="0">
+                <a:solidFill>
+                  <a:schemeClr val="tx1">
+                    <a:lumMod val="95000"/>
+                    <a:lumOff val="5000"/>
+                  </a:schemeClr>
+                </a:solidFill>
+              </a:rPr>
+              <a:t>инициализируется </a:t>
+            </a:r>
+          </a:p>
+          <a:p>
+            <a:r>
+              <a:rPr lang="ru-RU" sz="2000" dirty="0" smtClean="0">
+                <a:solidFill>
+                  <a:schemeClr val="tx1">
+                    <a:lumMod val="95000"/>
+                    <a:lumOff val="5000"/>
+                  </a:schemeClr>
+                </a:solidFill>
+              </a:rPr>
+              <a:t>класс </a:t>
+            </a:r>
+            <a:r>
+              <a:rPr lang="en-US" sz="2000" b="1" dirty="0" err="1" smtClean="0">
+                <a:solidFill>
+                  <a:schemeClr val="tx1">
+                    <a:lumMod val="95000"/>
+                    <a:lumOff val="5000"/>
+                  </a:schemeClr>
+                </a:solidFill>
+              </a:rPr>
               <a:t>GamePlayController</a:t>
             </a:r>
-            <a:endParaRPr lang="ru-RU" dirty="0">
+            <a:endParaRPr lang="ru-RU" sz="2000" b="1" dirty="0">
               <a:solidFill>
                 <a:schemeClr val="tx1">
                   <a:lumMod val="95000"/>
@@ -6588,7 +7229,7 @@
       </p:sp>
       <p:pic>
         <p:nvPicPr>
-          <p:cNvPr id="2050" name="Picture 2"/>
+          <p:cNvPr id="1027" name="Picture 3"/>
           <p:cNvPicPr>
             <a:picLocks noGrp="1" noChangeAspect="1" noChangeArrowheads="1"/>
           </p:cNvPicPr>
@@ -6597,7 +7238,7 @@
           </p:nvPr>
         </p:nvPicPr>
         <p:blipFill>
-          <a:blip r:embed="rId3" cstate="print"/>
+          <a:blip r:embed="rId2" cstate="print"/>
           <a:srcRect/>
           <a:stretch>
             <a:fillRect/>
@@ -6605,8 +7246,8 @@
         </p:blipFill>
         <p:spPr bwMode="auto">
           <a:xfrm>
-            <a:off x="323528" y="980729"/>
-            <a:ext cx="4391160" cy="4536504"/>
+            <a:off x="251520" y="980728"/>
+            <a:ext cx="3985715" cy="4104455"/>
           </a:xfrm>
           <a:prstGeom prst="rect">
             <a:avLst/>
@@ -6620,276 +7261,6 @@
           </a:ln>
         </p:spPr>
       </p:pic>
-      <p:sp>
-        <p:nvSpPr>
-          <p:cNvPr id="5" name="TextBox 4"/>
-          <p:cNvSpPr txBox="1"/>
-          <p:nvPr/>
-        </p:nvSpPr>
-        <p:spPr>
-          <a:xfrm>
-            <a:off x="1043608" y="5589240"/>
-            <a:ext cx="2898550" cy="369332"/>
-          </a:xfrm>
-          <a:prstGeom prst="rect">
-            <a:avLst/>
-          </a:prstGeom>
-          <a:noFill/>
-        </p:spPr>
-        <p:txBody>
-          <a:bodyPr wrap="none" rtlCol="0">
-            <a:spAutoFit/>
-          </a:bodyPr>
-          <a:lstStyle/>
-          <a:p>
-            <a:r>
-              <a:rPr lang="ru-RU" dirty="0" smtClean="0"/>
-              <a:t>Основная игровая сцена</a:t>
-            </a:r>
-            <a:endParaRPr lang="ru-RU" dirty="0"/>
-          </a:p>
-        </p:txBody>
-      </p:sp>
-      <p:sp>
-        <p:nvSpPr>
-          <p:cNvPr id="6" name="TextBox 5"/>
-          <p:cNvSpPr txBox="1"/>
-          <p:nvPr/>
-        </p:nvSpPr>
-        <p:spPr>
-          <a:xfrm>
-            <a:off x="4932040" y="1340768"/>
-            <a:ext cx="4131259" cy="2246769"/>
-          </a:xfrm>
-          <a:prstGeom prst="rect">
-            <a:avLst/>
-          </a:prstGeom>
-          <a:noFill/>
-        </p:spPr>
-        <p:txBody>
-          <a:bodyPr wrap="none" rtlCol="0">
-            <a:spAutoFit/>
-          </a:bodyPr>
-          <a:lstStyle/>
-          <a:p>
-            <a:r>
-              <a:rPr lang="ru-RU" sz="2000" dirty="0" smtClean="0">
-                <a:solidFill>
-                  <a:schemeClr val="tx1">
-                    <a:lumMod val="95000"/>
-                    <a:lumOff val="5000"/>
-                  </a:schemeClr>
-                </a:solidFill>
-              </a:rPr>
-              <a:t>При загрузке этого класса</a:t>
-            </a:r>
-          </a:p>
-          <a:p>
-            <a:r>
-              <a:rPr lang="ru-RU" sz="2000" dirty="0" smtClean="0">
-                <a:solidFill>
-                  <a:schemeClr val="tx1">
-                    <a:lumMod val="95000"/>
-                    <a:lumOff val="5000"/>
-                  </a:schemeClr>
-                </a:solidFill>
-              </a:rPr>
-              <a:t>з</a:t>
-            </a:r>
-            <a:r>
-              <a:rPr lang="ru-RU" sz="2000" dirty="0" smtClean="0">
-                <a:solidFill>
-                  <a:schemeClr val="tx1">
-                    <a:lumMod val="95000"/>
-                    <a:lumOff val="5000"/>
-                  </a:schemeClr>
-                </a:solidFill>
-              </a:rPr>
-              <a:t>апускается </a:t>
-            </a:r>
-            <a:r>
-              <a:rPr lang="en-US" sz="2000" b="1" dirty="0" err="1" smtClean="0">
-                <a:solidFill>
-                  <a:schemeClr val="tx1">
-                    <a:lumMod val="95000"/>
-                    <a:lumOff val="5000"/>
-                  </a:schemeClr>
-                </a:solidFill>
-              </a:rPr>
-              <a:t>GameLoopTimer</a:t>
-            </a:r>
-            <a:r>
-              <a:rPr lang="en-US" sz="2000" dirty="0" smtClean="0">
-                <a:solidFill>
-                  <a:schemeClr val="tx1">
-                    <a:lumMod val="95000"/>
-                    <a:lumOff val="5000"/>
-                  </a:schemeClr>
-                </a:solidFill>
-              </a:rPr>
-              <a:t>,</a:t>
-            </a:r>
-          </a:p>
-          <a:p>
-            <a:r>
-              <a:rPr lang="ru-RU" sz="2000" dirty="0" smtClean="0">
-                <a:solidFill>
-                  <a:schemeClr val="tx1">
-                    <a:lumMod val="95000"/>
-                    <a:lumOff val="5000"/>
-                  </a:schemeClr>
-                </a:solidFill>
-              </a:rPr>
-              <a:t>р</a:t>
-            </a:r>
-            <a:r>
-              <a:rPr lang="ru-RU" sz="2000" dirty="0" smtClean="0">
-                <a:solidFill>
-                  <a:schemeClr val="tx1">
-                    <a:lumMod val="95000"/>
-                    <a:lumOff val="5000"/>
-                  </a:schemeClr>
-                </a:solidFill>
-              </a:rPr>
-              <a:t>асширяющий класс </a:t>
-            </a:r>
-            <a:endParaRPr lang="en-US" sz="2000" dirty="0" smtClean="0">
-              <a:solidFill>
-                <a:schemeClr val="tx1">
-                  <a:lumMod val="95000"/>
-                  <a:lumOff val="5000"/>
-                </a:schemeClr>
-              </a:solidFill>
-            </a:endParaRPr>
-          </a:p>
-          <a:p>
-            <a:r>
-              <a:rPr lang="en-US" sz="2000" b="1" dirty="0" err="1" smtClean="0">
-                <a:solidFill>
-                  <a:schemeClr val="tx1">
-                    <a:lumMod val="95000"/>
-                    <a:lumOff val="5000"/>
-                  </a:schemeClr>
-                </a:solidFill>
-              </a:rPr>
-              <a:t>javafx.AnimationTimer</a:t>
-            </a:r>
-            <a:r>
-              <a:rPr lang="en-US" sz="2000" dirty="0" smtClean="0">
-                <a:solidFill>
-                  <a:schemeClr val="tx1">
-                    <a:lumMod val="95000"/>
-                    <a:lumOff val="5000"/>
-                  </a:schemeClr>
-                </a:solidFill>
-              </a:rPr>
-              <a:t>,</a:t>
-            </a:r>
-          </a:p>
-          <a:p>
-            <a:r>
-              <a:rPr lang="ru-RU" sz="2000" dirty="0" smtClean="0">
-                <a:solidFill>
-                  <a:schemeClr val="tx1">
-                    <a:lumMod val="95000"/>
-                    <a:lumOff val="5000"/>
-                  </a:schemeClr>
-                </a:solidFill>
-              </a:rPr>
-              <a:t>к</a:t>
-            </a:r>
-            <a:r>
-              <a:rPr lang="ru-RU" sz="2000" dirty="0" smtClean="0">
-                <a:solidFill>
-                  <a:schemeClr val="tx1">
-                    <a:lumMod val="95000"/>
-                    <a:lumOff val="5000"/>
-                  </a:schemeClr>
-                </a:solidFill>
-              </a:rPr>
-              <a:t>оторый используется для</a:t>
-            </a:r>
-          </a:p>
-          <a:p>
-            <a:r>
-              <a:rPr lang="ru-RU" sz="2000" dirty="0" smtClean="0">
-                <a:solidFill>
-                  <a:schemeClr val="tx1">
-                    <a:lumMod val="95000"/>
-                    <a:lumOff val="5000"/>
-                  </a:schemeClr>
-                </a:solidFill>
-              </a:rPr>
-              <a:t>обновления глобального </a:t>
-            </a:r>
-          </a:p>
-          <a:p>
-            <a:r>
-              <a:rPr lang="ru-RU" sz="2000" dirty="0" smtClean="0">
-                <a:solidFill>
-                  <a:schemeClr val="tx1">
-                    <a:lumMod val="95000"/>
-                    <a:lumOff val="5000"/>
-                  </a:schemeClr>
-                </a:solidFill>
-              </a:rPr>
-              <a:t>состояния игры</a:t>
-            </a:r>
-          </a:p>
-        </p:txBody>
-      </p:sp>
-      <p:sp>
-        <p:nvSpPr>
-          <p:cNvPr id="7" name="TextBox 6"/>
-          <p:cNvSpPr txBox="1"/>
-          <p:nvPr/>
-        </p:nvSpPr>
-        <p:spPr>
-          <a:xfrm>
-            <a:off x="4932040" y="4149080"/>
-            <a:ext cx="3265638" cy="1323439"/>
-          </a:xfrm>
-          <a:prstGeom prst="rect">
-            <a:avLst/>
-          </a:prstGeom>
-          <a:noFill/>
-        </p:spPr>
-        <p:txBody>
-          <a:bodyPr wrap="none" rtlCol="0">
-            <a:spAutoFit/>
-          </a:bodyPr>
-          <a:lstStyle/>
-          <a:p>
-            <a:r>
-              <a:rPr lang="ru-RU" sz="2000" dirty="0" smtClean="0"/>
-              <a:t>При столкновении </a:t>
-            </a:r>
-          </a:p>
-          <a:p>
-            <a:r>
-              <a:rPr lang="ru-RU" sz="2000" dirty="0" smtClean="0"/>
-              <a:t>и</a:t>
-            </a:r>
-            <a:r>
-              <a:rPr lang="ru-RU" sz="2000" dirty="0" smtClean="0"/>
-              <a:t>грока с призраком </a:t>
-            </a:r>
-          </a:p>
-          <a:p>
-            <a:r>
-              <a:rPr lang="ru-RU" sz="2000" dirty="0" smtClean="0"/>
-              <a:t>инициализируется класс</a:t>
-            </a:r>
-          </a:p>
-          <a:p>
-            <a:r>
-              <a:rPr lang="en-US" sz="2000" b="1" dirty="0" err="1" smtClean="0"/>
-              <a:t>DeathController</a:t>
-            </a:r>
-            <a:endParaRPr lang="ru-RU" sz="2000" b="1" dirty="0"/>
-          </a:p>
-        </p:txBody>
-      </p:sp>
     </p:spTree>
   </p:cSld>
   <p:clrMapOvr>
@@ -6944,16 +7315,22 @@
           <a:p>
             <a:pPr algn="ctr"/>
             <a:r>
-              <a:rPr lang="ru-RU" dirty="0" err="1" smtClean="0">
-                <a:solidFill>
-                  <a:schemeClr val="tx1"/>
+              <a:rPr lang="en-US" dirty="0" err="1" smtClean="0">
+                <a:solidFill>
+                  <a:schemeClr val="tx1">
+                    <a:lumMod val="95000"/>
+                    <a:lumOff val="5000"/>
+                  </a:schemeClr>
                 </a:solidFill>
               </a:rPr>
-              <a:t>Многопоточность</a:t>
+              <a:t>GamePlayController</a:t>
             </a:r>
             <a:endParaRPr lang="ru-RU" dirty="0">
               <a:solidFill>
-                <a:schemeClr val="tx1"/>
+                <a:schemeClr val="tx1">
+                  <a:lumMod val="95000"/>
+                  <a:lumOff val="5000"/>
+                </a:schemeClr>
               </a:solidFill>
             </a:endParaRPr>
           </a:p>
@@ -6967,8 +7344,8 @@
         </p:nvSpPr>
         <p:spPr>
           <a:xfrm>
-            <a:off x="1547664" y="5517232"/>
-            <a:ext cx="1715534" cy="369332"/>
+            <a:off x="1043608" y="5589240"/>
+            <a:ext cx="2898550" cy="369332"/>
           </a:xfrm>
           <a:prstGeom prst="rect">
             <a:avLst/>
@@ -6982,20 +7359,8 @@
           <a:lstStyle/>
           <a:p>
             <a:r>
-              <a:rPr lang="en-US" dirty="0" smtClean="0"/>
-              <a:t>C</a:t>
-            </a:r>
-            <a:r>
               <a:rPr lang="ru-RU" dirty="0" smtClean="0"/>
-              <a:t>цена</a:t>
-            </a:r>
-            <a:r>
-              <a:rPr lang="en-US" dirty="0" smtClean="0"/>
-              <a:t> </a:t>
-            </a:r>
-            <a:r>
-              <a:rPr lang="ru-RU" dirty="0" smtClean="0"/>
-              <a:t>смерти</a:t>
+              <a:t>Основная игровая сцена</a:t>
             </a:r>
             <a:endParaRPr lang="ru-RU" dirty="0"/>
           </a:p>
@@ -7009,8 +7374,8 @@
         </p:nvSpPr>
         <p:spPr>
           <a:xfrm>
-            <a:off x="4716016" y="1340768"/>
-            <a:ext cx="3785011" cy="1631216"/>
+            <a:off x="4932040" y="1340768"/>
+            <a:ext cx="4131259" cy="2246769"/>
           </a:xfrm>
           <a:prstGeom prst="rect">
             <a:avLst/>
@@ -7032,12 +7397,12 @@
                   </a:schemeClr>
                 </a:solidFill>
               </a:rPr>
-              <a:t>При загрузке класса</a:t>
-            </a:r>
-          </a:p>
-          <a:p>
-            <a:r>
-              <a:rPr lang="en-US" sz="2000" b="1" dirty="0" err="1" smtClean="0">
+              <a:t>При загрузке этого класса</a:t>
+            </a:r>
+          </a:p>
+          <a:p>
+            <a:r>
+              <a:rPr lang="ru-RU" sz="2000" dirty="0" smtClean="0">
                 <a:solidFill>
                   <a:schemeClr val="tx1">
                     <a:lumMod val="95000"/>
@@ -7045,10 +7410,10 @@
                   </a:schemeClr>
                 </a:solidFill>
               </a:rPr>
-              <a:t>DeathController</a:t>
-            </a:r>
-            <a:r>
-              <a:rPr lang="ru-RU" sz="2000" b="1" dirty="0" smtClean="0">
+              <a:t>запускается </a:t>
+            </a:r>
+            <a:r>
+              <a:rPr lang="en-US" sz="2000" b="1" dirty="0" err="1" smtClean="0">
                 <a:solidFill>
                   <a:schemeClr val="tx1">
                     <a:lumMod val="95000"/>
@@ -7056,10 +7421,10 @@
                   </a:schemeClr>
                 </a:solidFill>
               </a:rPr>
-              <a:t> </a:t>
-            </a:r>
-            <a:r>
-              <a:rPr lang="ru-RU" sz="2000" dirty="0" smtClean="0">
+              <a:t>GameLoopTimer</a:t>
+            </a:r>
+            <a:r>
+              <a:rPr lang="en-US" sz="2000" dirty="0" smtClean="0">
                 <a:solidFill>
                   <a:schemeClr val="tx1">
                     <a:lumMod val="95000"/>
@@ -7067,7 +7432,7 @@
                   </a:schemeClr>
                 </a:solidFill>
               </a:rPr>
-              <a:t>создается</a:t>
+              <a:t>,</a:t>
             </a:r>
           </a:p>
           <a:p>
@@ -7080,10 +7445,20 @@
                   </a:schemeClr>
                 </a:solidFill>
               </a:rPr>
-              <a:t>н</a:t>
-            </a:r>
-            <a:r>
-              <a:rPr lang="ru-RU" sz="2000" dirty="0" smtClean="0">
+              <a:t>расширяющий класс </a:t>
+            </a:r>
+            <a:endParaRPr lang="en-US" sz="2000" dirty="0" smtClean="0">
+              <a:solidFill>
+                <a:schemeClr val="tx1">
+                  <a:lumMod val="95000"/>
+                  <a:lumOff val="5000"/>
+                </a:schemeClr>
+              </a:solidFill>
+            </a:endParaRPr>
+          </a:p>
+          <a:p>
+            <a:r>
+              <a:rPr lang="en-US" sz="2000" b="1" dirty="0" err="1" smtClean="0">
                 <a:solidFill>
                   <a:schemeClr val="tx1">
                     <a:lumMod val="95000"/>
@@ -7091,10 +7466,10 @@
                   </a:schemeClr>
                 </a:solidFill>
               </a:rPr>
-              <a:t>овый </a:t>
-            </a:r>
-            <a:r>
-              <a:rPr lang="ru-RU" sz="2000" b="1" dirty="0" smtClean="0">
+              <a:t>javafx.AnimationTimer</a:t>
+            </a:r>
+            <a:r>
+              <a:rPr lang="en-US" sz="2000" dirty="0" smtClean="0">
                 <a:solidFill>
                   <a:schemeClr val="tx1">
                     <a:lumMod val="95000"/>
@@ -7102,8 +7477,10 @@
                   </a:schemeClr>
                 </a:solidFill>
               </a:rPr>
-              <a:t>поток</a:t>
-            </a:r>
+              <a:t>,</a:t>
+            </a:r>
+          </a:p>
+          <a:p>
             <a:r>
               <a:rPr lang="ru-RU" sz="2000" dirty="0" smtClean="0">
                 <a:solidFill>
@@ -7113,7 +7490,7 @@
                   </a:schemeClr>
                 </a:solidFill>
               </a:rPr>
-              <a:t>, который</a:t>
+              <a:t>который используется для</a:t>
             </a:r>
           </a:p>
           <a:p>
@@ -7126,8 +7503,10 @@
                   </a:schemeClr>
                 </a:solidFill>
               </a:rPr>
-              <a:t>о</a:t>
-            </a:r>
+              <a:t>обновления глобального </a:t>
+            </a:r>
+          </a:p>
+          <a:p>
             <a:r>
               <a:rPr lang="ru-RU" sz="2000" dirty="0" smtClean="0">
                 <a:solidFill>
@@ -7137,20 +7516,7 @@
                   </a:schemeClr>
                 </a:solidFill>
               </a:rPr>
-              <a:t>тправляет результат игрока</a:t>
-            </a:r>
-          </a:p>
-          <a:p>
-            <a:r>
-              <a:rPr lang="ru-RU" sz="2000" dirty="0" smtClean="0">
-                <a:solidFill>
-                  <a:schemeClr val="tx1">
-                    <a:lumMod val="95000"/>
-                    <a:lumOff val="5000"/>
-                  </a:schemeClr>
-                </a:solidFill>
-              </a:rPr>
-              <a:t>на сервер</a:t>
+              <a:t>состояния игры</a:t>
             </a:r>
           </a:p>
         </p:txBody>
@@ -7163,7 +7529,7 @@
         </p:nvSpPr>
         <p:spPr>
           <a:xfrm>
-            <a:off x="4716016" y="4077072"/>
+            <a:off x="4932040" y="4149080"/>
             <a:ext cx="3265638" cy="1323439"/>
           </a:xfrm>
           <a:prstGeom prst="rect">
@@ -7179,30 +7545,25 @@
           <a:p>
             <a:r>
               <a:rPr lang="ru-RU" sz="2000" dirty="0" smtClean="0"/>
-              <a:t>При нажатии кнопки </a:t>
-            </a:r>
-            <a:endParaRPr lang="en-US" sz="2000" dirty="0" smtClean="0"/>
-          </a:p>
-          <a:p>
-            <a:r>
-              <a:rPr lang="en-US" sz="2000" dirty="0" smtClean="0"/>
-              <a:t>See scores</a:t>
+              <a:t>При столкновении </a:t>
             </a:r>
           </a:p>
           <a:p>
             <a:r>
               <a:rPr lang="ru-RU" sz="2000" dirty="0" smtClean="0"/>
-              <a:t>и</a:t>
-            </a:r>
+              <a:t>игрока с призраком </a:t>
+            </a:r>
+          </a:p>
+          <a:p>
             <a:r>
               <a:rPr lang="ru-RU" sz="2000" dirty="0" smtClean="0"/>
-              <a:t>нициализируется класс</a:t>
+              <a:t>инициализируется класс</a:t>
             </a:r>
           </a:p>
           <a:p>
             <a:r>
               <a:rPr lang="en-US" sz="2000" b="1" dirty="0" err="1" smtClean="0"/>
-              <a:t>ScoresController</a:t>
+              <a:t>DeathController</a:t>
             </a:r>
             <a:endParaRPr lang="ru-RU" sz="2000" b="1" dirty="0"/>
           </a:p>
@@ -7210,7 +7571,7 @@
       </p:sp>
       <p:pic>
         <p:nvPicPr>
-          <p:cNvPr id="4098" name="Picture 2"/>
+          <p:cNvPr id="3" name="Picture 2"/>
           <p:cNvPicPr>
             <a:picLocks noGrp="1" noChangeAspect="1" noChangeArrowheads="1"/>
           </p:cNvPicPr>
@@ -7227,8 +7588,8 @@
         </p:blipFill>
         <p:spPr bwMode="auto">
           <a:xfrm>
-            <a:off x="395536" y="1196752"/>
-            <a:ext cx="4109178" cy="4248472"/>
+            <a:off x="323528" y="1052736"/>
+            <a:ext cx="4464496" cy="4464496"/>
           </a:xfrm>
           <a:prstGeom prst="rect">
             <a:avLst/>
@@ -7296,12 +7657,12 @@
           <a:p>
             <a:pPr algn="ctr"/>
             <a:r>
-              <a:rPr lang="en-US" dirty="0" err="1" smtClean="0">
+              <a:rPr lang="ru-RU" dirty="0" err="1" smtClean="0">
                 <a:solidFill>
                   <a:schemeClr val="tx1"/>
                 </a:solidFill>
               </a:rPr>
-              <a:t>ScoresController</a:t>
+              <a:t>Многопоточность</a:t>
             </a:r>
             <a:endParaRPr lang="ru-RU" dirty="0">
               <a:solidFill>
@@ -7319,8 +7680,8 @@
         </p:nvSpPr>
         <p:spPr>
           <a:xfrm>
-            <a:off x="1403648" y="5517232"/>
-            <a:ext cx="2281394" cy="369332"/>
+            <a:off x="1547664" y="5517232"/>
+            <a:ext cx="1715534" cy="369332"/>
           </a:xfrm>
           <a:prstGeom prst="rect">
             <a:avLst/>
@@ -7339,7 +7700,15 @@
             </a:r>
             <a:r>
               <a:rPr lang="ru-RU" dirty="0" smtClean="0"/>
-              <a:t>цена результатов</a:t>
+              <a:t>цена</a:t>
+            </a:r>
+            <a:r>
+              <a:rPr lang="en-US" dirty="0" smtClean="0"/>
+              <a:t> </a:t>
+            </a:r>
+            <a:r>
+              <a:rPr lang="ru-RU" dirty="0" smtClean="0"/>
+              <a:t>смерти</a:t>
             </a:r>
             <a:endParaRPr lang="ru-RU" dirty="0"/>
           </a:p>
@@ -7354,7 +7723,7 @@
         <p:spPr>
           <a:xfrm>
             <a:off x="4716016" y="1340768"/>
-            <a:ext cx="3951723" cy="1631216"/>
+            <a:ext cx="3785011" cy="1631216"/>
           </a:xfrm>
           <a:prstGeom prst="rect">
             <a:avLst/>
@@ -7376,12 +7745,12 @@
                   </a:schemeClr>
                 </a:solidFill>
               </a:rPr>
-              <a:t>При загрузке этого класса</a:t>
-            </a:r>
-          </a:p>
-          <a:p>
-            <a:r>
-              <a:rPr lang="ru-RU" sz="2000" dirty="0" smtClean="0">
+              <a:t>При загрузке класса</a:t>
+            </a:r>
+          </a:p>
+          <a:p>
+            <a:r>
+              <a:rPr lang="en-US" sz="2000" b="1" dirty="0" err="1" smtClean="0">
                 <a:solidFill>
                   <a:schemeClr val="tx1">
                     <a:lumMod val="95000"/>
@@ -7389,10 +7758,10 @@
                   </a:schemeClr>
                 </a:solidFill>
               </a:rPr>
-              <a:t>т</a:t>
-            </a:r>
-            <a:r>
-              <a:rPr lang="ru-RU" sz="2000" dirty="0" smtClean="0">
+              <a:t>DeathController</a:t>
+            </a:r>
+            <a:r>
+              <a:rPr lang="ru-RU" sz="2000" b="1" dirty="0" smtClean="0">
                 <a:solidFill>
                   <a:schemeClr val="tx1">
                     <a:lumMod val="95000"/>
@@ -7400,10 +7769,10 @@
                   </a:schemeClr>
                 </a:solidFill>
               </a:rPr>
-              <a:t>акже создается новый </a:t>
-            </a:r>
-            <a:r>
-              <a:rPr lang="ru-RU" sz="2000" b="1" dirty="0" smtClean="0">
+              <a:t> </a:t>
+            </a:r>
+            <a:r>
+              <a:rPr lang="ru-RU" sz="2000" dirty="0" smtClean="0">
                 <a:solidFill>
                   <a:schemeClr val="tx1">
                     <a:lumMod val="95000"/>
@@ -7411,10 +7780,12 @@
                   </a:schemeClr>
                 </a:solidFill>
               </a:rPr>
-              <a:t>поток</a:t>
-            </a:r>
-            <a:r>
-              <a:rPr lang="en-US" sz="2000" dirty="0" smtClean="0">
+              <a:t>создается</a:t>
+            </a:r>
+          </a:p>
+          <a:p>
+            <a:r>
+              <a:rPr lang="ru-RU" sz="2000" dirty="0" smtClean="0">
                 <a:solidFill>
                   <a:schemeClr val="tx1">
                     <a:lumMod val="95000"/>
@@ -7422,20 +7793,10 @@
                   </a:schemeClr>
                 </a:solidFill>
               </a:rPr>
-              <a:t>,</a:t>
-            </a:r>
-            <a:endParaRPr lang="en-US" sz="2000" b="1" dirty="0" smtClean="0">
-              <a:solidFill>
-                <a:schemeClr val="tx1">
-                  <a:lumMod val="95000"/>
-                  <a:lumOff val="5000"/>
-                </a:schemeClr>
-              </a:solidFill>
-            </a:endParaRPr>
-          </a:p>
-          <a:p>
-            <a:r>
-              <a:rPr lang="ru-RU" sz="2000" dirty="0" smtClean="0">
+              <a:t>новый </a:t>
+            </a:r>
+            <a:r>
+              <a:rPr lang="ru-RU" sz="2000" b="1" dirty="0" smtClean="0">
                 <a:solidFill>
                   <a:schemeClr val="tx1">
                     <a:lumMod val="95000"/>
@@ -7443,7 +7804,7 @@
                   </a:schemeClr>
                 </a:solidFill>
               </a:rPr>
-              <a:t>к</a:t>
+              <a:t>поток</a:t>
             </a:r>
             <a:r>
               <a:rPr lang="ru-RU" sz="2000" dirty="0" smtClean="0">
@@ -7454,16 +7815,8 @@
                   </a:schemeClr>
                 </a:solidFill>
               </a:rPr>
-              <a:t>оторый получает</a:t>
-            </a:r>
-            <a:endParaRPr lang="en-US" sz="2000" dirty="0" smtClean="0">
-              <a:solidFill>
-                <a:schemeClr val="tx1">
-                  <a:lumMod val="95000"/>
-                  <a:lumOff val="5000"/>
-                </a:schemeClr>
-              </a:solidFill>
-            </a:endParaRPr>
+              <a:t>, который</a:t>
+            </a:r>
           </a:p>
           <a:p>
             <a:r>
@@ -7475,8 +7828,10 @@
                   </a:schemeClr>
                 </a:solidFill>
               </a:rPr>
-              <a:t>в</a:t>
-            </a:r>
+              <a:t>отправляет результат игрока</a:t>
+            </a:r>
+          </a:p>
+          <a:p>
             <a:r>
               <a:rPr lang="ru-RU" sz="2000" dirty="0" smtClean="0">
                 <a:solidFill>
@@ -7486,79 +7841,63 @@
                   </a:schemeClr>
                 </a:solidFill>
               </a:rPr>
-              <a:t>ыводимые в </a:t>
-            </a:r>
-            <a:r>
-              <a:rPr lang="en-US" sz="2000" dirty="0" err="1" smtClean="0">
-                <a:solidFill>
-                  <a:schemeClr val="tx1">
-                    <a:lumMod val="95000"/>
-                    <a:lumOff val="5000"/>
-                  </a:schemeClr>
-                </a:solidFill>
-              </a:rPr>
-              <a:t>javafx.TableView</a:t>
-            </a:r>
-            <a:endParaRPr lang="en-US" sz="2000" dirty="0" smtClean="0">
-              <a:solidFill>
-                <a:schemeClr val="tx1">
-                  <a:lumMod val="95000"/>
-                  <a:lumOff val="5000"/>
-                </a:schemeClr>
-              </a:solidFill>
-            </a:endParaRPr>
-          </a:p>
-          <a:p>
-            <a:r>
-              <a:rPr lang="ru-RU" sz="2000" dirty="0" smtClean="0">
-                <a:solidFill>
-                  <a:schemeClr val="tx1">
-                    <a:lumMod val="95000"/>
-                    <a:lumOff val="5000"/>
-                  </a:schemeClr>
-                </a:solidFill>
-              </a:rPr>
-              <a:t>д</a:t>
-            </a:r>
-            <a:r>
-              <a:rPr lang="ru-RU" sz="2000" dirty="0" smtClean="0">
-                <a:solidFill>
-                  <a:schemeClr val="tx1">
-                    <a:lumMod val="95000"/>
-                    <a:lumOff val="5000"/>
-                  </a:schemeClr>
-                </a:solidFill>
-              </a:rPr>
-              <a:t>анные</a:t>
-            </a:r>
-            <a:r>
-              <a:rPr lang="en-US" sz="2000" dirty="0" smtClean="0">
-                <a:solidFill>
-                  <a:schemeClr val="tx1">
-                    <a:lumMod val="95000"/>
-                    <a:lumOff val="5000"/>
-                  </a:schemeClr>
-                </a:solidFill>
-              </a:rPr>
-              <a:t> </a:t>
-            </a:r>
-            <a:r>
-              <a:rPr lang="ru-RU" sz="2000" dirty="0" smtClean="0">
-                <a:solidFill>
-                  <a:schemeClr val="tx1">
-                    <a:lumMod val="95000"/>
-                    <a:lumOff val="5000"/>
-                  </a:schemeClr>
-                </a:solidFill>
-              </a:rPr>
-              <a:t>с сервера</a:t>
-            </a:r>
+              <a:t>на сервер</a:t>
+            </a:r>
+          </a:p>
+        </p:txBody>
+      </p:sp>
+      <p:sp>
+        <p:nvSpPr>
+          <p:cNvPr id="7" name="TextBox 6"/>
+          <p:cNvSpPr txBox="1"/>
+          <p:nvPr/>
+        </p:nvSpPr>
+        <p:spPr>
+          <a:xfrm>
+            <a:off x="4716016" y="4077072"/>
+            <a:ext cx="3265638" cy="1323439"/>
+          </a:xfrm>
+          <a:prstGeom prst="rect">
+            <a:avLst/>
+          </a:prstGeom>
+          <a:noFill/>
+        </p:spPr>
+        <p:txBody>
+          <a:bodyPr wrap="none" rtlCol="0">
+            <a:spAutoFit/>
+          </a:bodyPr>
+          <a:lstStyle/>
+          <a:p>
+            <a:r>
+              <a:rPr lang="ru-RU" sz="2000" dirty="0" smtClean="0"/>
+              <a:t>При нажатии кнопки </a:t>
+            </a:r>
+            <a:endParaRPr lang="en-US" sz="2000" dirty="0" smtClean="0"/>
+          </a:p>
+          <a:p>
+            <a:r>
+              <a:rPr lang="en-US" sz="2000" dirty="0" smtClean="0"/>
+              <a:t>See scores</a:t>
+            </a:r>
+          </a:p>
+          <a:p>
+            <a:r>
+              <a:rPr lang="ru-RU" sz="2000" dirty="0" smtClean="0"/>
+              <a:t>инициализируется класс</a:t>
+            </a:r>
+          </a:p>
+          <a:p>
+            <a:r>
+              <a:rPr lang="en-US" sz="2000" b="1" dirty="0" err="1" smtClean="0"/>
+              <a:t>ScoresController</a:t>
+            </a:r>
+            <a:endParaRPr lang="ru-RU" sz="2000" b="1" dirty="0"/>
           </a:p>
         </p:txBody>
       </p:sp>
       <p:pic>
         <p:nvPicPr>
-          <p:cNvPr id="5123" name="Picture 3"/>
+          <p:cNvPr id="4098" name="Picture 2"/>
           <p:cNvPicPr>
             <a:picLocks noGrp="1" noChangeAspect="1" noChangeArrowheads="1"/>
           </p:cNvPicPr>
@@ -7575,8 +7914,8 @@
         </p:blipFill>
         <p:spPr bwMode="auto">
           <a:xfrm>
-            <a:off x="323528" y="1052736"/>
-            <a:ext cx="4208342" cy="4316783"/>
+            <a:off x="395536" y="1196752"/>
+            <a:ext cx="4109178" cy="4248472"/>
           </a:xfrm>
           <a:prstGeom prst="rect">
             <a:avLst/>
@@ -7622,9 +7961,247 @@
           <a:chExt cx="0" cy="0"/>
         </a:xfrm>
       </p:grpSpPr>
+      <p:sp>
+        <p:nvSpPr>
+          <p:cNvPr id="2" name="Заголовок 1"/>
+          <p:cNvSpPr>
+            <a:spLocks noGrp="1"/>
+          </p:cNvSpPr>
+          <p:nvPr>
+            <p:ph type="title"/>
+          </p:nvPr>
+        </p:nvSpPr>
+        <p:spPr>
+          <a:xfrm>
+            <a:off x="755576" y="188640"/>
+            <a:ext cx="7467600" cy="580926"/>
+          </a:xfrm>
+        </p:spPr>
+        <p:txBody>
+          <a:bodyPr/>
+          <a:lstStyle/>
+          <a:p>
+            <a:pPr algn="ctr"/>
+            <a:r>
+              <a:rPr lang="en-US" dirty="0" err="1" smtClean="0">
+                <a:solidFill>
+                  <a:schemeClr val="tx1"/>
+                </a:solidFill>
+              </a:rPr>
+              <a:t>ScoresController</a:t>
+            </a:r>
+            <a:endParaRPr lang="ru-RU" dirty="0">
+              <a:solidFill>
+                <a:schemeClr val="tx1"/>
+              </a:solidFill>
+            </a:endParaRPr>
+          </a:p>
+        </p:txBody>
+      </p:sp>
+      <p:sp>
+        <p:nvSpPr>
+          <p:cNvPr id="5" name="TextBox 4"/>
+          <p:cNvSpPr txBox="1"/>
+          <p:nvPr/>
+        </p:nvSpPr>
+        <p:spPr>
+          <a:xfrm>
+            <a:off x="1403648" y="5517232"/>
+            <a:ext cx="2281394" cy="369332"/>
+          </a:xfrm>
+          <a:prstGeom prst="rect">
+            <a:avLst/>
+          </a:prstGeom>
+          <a:noFill/>
+        </p:spPr>
+        <p:txBody>
+          <a:bodyPr wrap="none" rtlCol="0">
+            <a:spAutoFit/>
+          </a:bodyPr>
+          <a:lstStyle/>
+          <a:p>
+            <a:r>
+              <a:rPr lang="en-US" dirty="0" smtClean="0"/>
+              <a:t>C</a:t>
+            </a:r>
+            <a:r>
+              <a:rPr lang="ru-RU" dirty="0" smtClean="0"/>
+              <a:t>цена результатов</a:t>
+            </a:r>
+            <a:endParaRPr lang="ru-RU" dirty="0"/>
+          </a:p>
+        </p:txBody>
+      </p:sp>
+      <p:sp>
+        <p:nvSpPr>
+          <p:cNvPr id="6" name="TextBox 5"/>
+          <p:cNvSpPr txBox="1"/>
+          <p:nvPr/>
+        </p:nvSpPr>
+        <p:spPr>
+          <a:xfrm>
+            <a:off x="4716016" y="1340768"/>
+            <a:ext cx="3951723" cy="1631216"/>
+          </a:xfrm>
+          <a:prstGeom prst="rect">
+            <a:avLst/>
+          </a:prstGeom>
+          <a:noFill/>
+        </p:spPr>
+        <p:txBody>
+          <a:bodyPr wrap="none" rtlCol="0">
+            <a:spAutoFit/>
+          </a:bodyPr>
+          <a:lstStyle/>
+          <a:p>
+            <a:r>
+              <a:rPr lang="ru-RU" sz="2000" dirty="0" smtClean="0">
+                <a:solidFill>
+                  <a:schemeClr val="tx1">
+                    <a:lumMod val="95000"/>
+                    <a:lumOff val="5000"/>
+                  </a:schemeClr>
+                </a:solidFill>
+              </a:rPr>
+              <a:t>При загрузке этого класса</a:t>
+            </a:r>
+          </a:p>
+          <a:p>
+            <a:r>
+              <a:rPr lang="ru-RU" sz="2000" dirty="0" smtClean="0">
+                <a:solidFill>
+                  <a:schemeClr val="tx1">
+                    <a:lumMod val="95000"/>
+                    <a:lumOff val="5000"/>
+                  </a:schemeClr>
+                </a:solidFill>
+              </a:rPr>
+              <a:t>также создается новый </a:t>
+            </a:r>
+            <a:r>
+              <a:rPr lang="ru-RU" sz="2000" b="1" dirty="0" smtClean="0">
+                <a:solidFill>
+                  <a:schemeClr val="tx1">
+                    <a:lumMod val="95000"/>
+                    <a:lumOff val="5000"/>
+                  </a:schemeClr>
+                </a:solidFill>
+              </a:rPr>
+              <a:t>поток</a:t>
+            </a:r>
+            <a:r>
+              <a:rPr lang="en-US" sz="2000" dirty="0" smtClean="0">
+                <a:solidFill>
+                  <a:schemeClr val="tx1">
+                    <a:lumMod val="95000"/>
+                    <a:lumOff val="5000"/>
+                  </a:schemeClr>
+                </a:solidFill>
+              </a:rPr>
+              <a:t>,</a:t>
+            </a:r>
+            <a:endParaRPr lang="en-US" sz="2000" b="1" dirty="0" smtClean="0">
+              <a:solidFill>
+                <a:schemeClr val="tx1">
+                  <a:lumMod val="95000"/>
+                  <a:lumOff val="5000"/>
+                </a:schemeClr>
+              </a:solidFill>
+            </a:endParaRPr>
+          </a:p>
+          <a:p>
+            <a:r>
+              <a:rPr lang="ru-RU" sz="2000" dirty="0" smtClean="0">
+                <a:solidFill>
+                  <a:schemeClr val="tx1">
+                    <a:lumMod val="95000"/>
+                    <a:lumOff val="5000"/>
+                  </a:schemeClr>
+                </a:solidFill>
+              </a:rPr>
+              <a:t>который получает</a:t>
+            </a:r>
+            <a:endParaRPr lang="en-US" sz="2000" dirty="0" smtClean="0">
+              <a:solidFill>
+                <a:schemeClr val="tx1">
+                  <a:lumMod val="95000"/>
+                  <a:lumOff val="5000"/>
+                </a:schemeClr>
+              </a:solidFill>
+            </a:endParaRPr>
+          </a:p>
+          <a:p>
+            <a:r>
+              <a:rPr lang="ru-RU" sz="2000" dirty="0" smtClean="0">
+                <a:solidFill>
+                  <a:schemeClr val="tx1">
+                    <a:lumMod val="95000"/>
+                    <a:lumOff val="5000"/>
+                  </a:schemeClr>
+                </a:solidFill>
+              </a:rPr>
+              <a:t>выводимые в </a:t>
+            </a:r>
+            <a:r>
+              <a:rPr lang="en-US" sz="2000" dirty="0" err="1" smtClean="0">
+                <a:solidFill>
+                  <a:schemeClr val="tx1">
+                    <a:lumMod val="95000"/>
+                    <a:lumOff val="5000"/>
+                  </a:schemeClr>
+                </a:solidFill>
+              </a:rPr>
+              <a:t>javafx.TableView</a:t>
+            </a:r>
+            <a:endParaRPr lang="en-US" sz="2000" dirty="0" smtClean="0">
+              <a:solidFill>
+                <a:schemeClr val="tx1">
+                  <a:lumMod val="95000"/>
+                  <a:lumOff val="5000"/>
+                </a:schemeClr>
+              </a:solidFill>
+            </a:endParaRPr>
+          </a:p>
+          <a:p>
+            <a:r>
+              <a:rPr lang="ru-RU" sz="2000" dirty="0" smtClean="0">
+                <a:solidFill>
+                  <a:schemeClr val="tx1">
+                    <a:lumMod val="95000"/>
+                    <a:lumOff val="5000"/>
+                  </a:schemeClr>
+                </a:solidFill>
+              </a:rPr>
+              <a:t>данные</a:t>
+            </a:r>
+            <a:r>
+              <a:rPr lang="en-US" sz="2000" dirty="0" smtClean="0">
+                <a:solidFill>
+                  <a:schemeClr val="tx1">
+                    <a:lumMod val="95000"/>
+                    <a:lumOff val="5000"/>
+                  </a:schemeClr>
+                </a:solidFill>
+              </a:rPr>
+              <a:t> </a:t>
+            </a:r>
+            <a:r>
+              <a:rPr lang="ru-RU" sz="2000" dirty="0" smtClean="0">
+                <a:solidFill>
+                  <a:schemeClr val="tx1">
+                    <a:lumMod val="95000"/>
+                    <a:lumOff val="5000"/>
+                  </a:schemeClr>
+                </a:solidFill>
+              </a:rPr>
+              <a:t>с сервера</a:t>
+            </a:r>
+          </a:p>
+        </p:txBody>
+      </p:sp>
       <p:pic>
         <p:nvPicPr>
-          <p:cNvPr id="6149" name="Picture 5"/>
+          <p:cNvPr id="5123" name="Picture 3"/>
           <p:cNvPicPr>
             <a:picLocks noGrp="1" noChangeAspect="1" noChangeArrowheads="1"/>
           </p:cNvPicPr>
@@ -7641,8 +8218,8 @@
         </p:blipFill>
         <p:spPr bwMode="auto">
           <a:xfrm>
-            <a:off x="0" y="548680"/>
-            <a:ext cx="8279771" cy="5256584"/>
+            <a:off x="323528" y="1052736"/>
+            <a:ext cx="4208342" cy="4316783"/>
           </a:xfrm>
           <a:prstGeom prst="rect">
             <a:avLst/>
@@ -7656,144 +8233,6 @@
           </a:ln>
         </p:spPr>
       </p:pic>
-      <p:sp>
-        <p:nvSpPr>
-          <p:cNvPr id="2" name="Заголовок 1"/>
-          <p:cNvSpPr>
-            <a:spLocks noGrp="1"/>
-          </p:cNvSpPr>
-          <p:nvPr>
-            <p:ph type="title"/>
-          </p:nvPr>
-        </p:nvSpPr>
-        <p:spPr>
-          <a:xfrm>
-            <a:off x="755576" y="188640"/>
-            <a:ext cx="7467600" cy="580926"/>
-          </a:xfrm>
-        </p:spPr>
-        <p:txBody>
-          <a:bodyPr/>
-          <a:lstStyle/>
-          <a:p>
-            <a:pPr algn="ctr"/>
-            <a:r>
-              <a:rPr lang="ru-RU" dirty="0" smtClean="0">
-                <a:solidFill>
-                  <a:schemeClr val="tx1"/>
-                </a:solidFill>
-              </a:rPr>
-              <a:t>Межсетевое взаимодействие</a:t>
-            </a:r>
-            <a:endParaRPr lang="ru-RU" dirty="0">
-              <a:solidFill>
-                <a:schemeClr val="tx1"/>
-              </a:solidFill>
-            </a:endParaRPr>
-          </a:p>
-        </p:txBody>
-      </p:sp>
-      <p:sp>
-        <p:nvSpPr>
-          <p:cNvPr id="8" name="TextBox 7"/>
-          <p:cNvSpPr txBox="1"/>
-          <p:nvPr/>
-        </p:nvSpPr>
-        <p:spPr>
-          <a:xfrm>
-            <a:off x="5004048" y="3645024"/>
-            <a:ext cx="3629520" cy="1938992"/>
-          </a:xfrm>
-          <a:prstGeom prst="rect">
-            <a:avLst/>
-          </a:prstGeom>
-          <a:noFill/>
-        </p:spPr>
-        <p:txBody>
-          <a:bodyPr wrap="none" rtlCol="0">
-            <a:spAutoFit/>
-          </a:bodyPr>
-          <a:lstStyle/>
-          <a:p>
-            <a:r>
-              <a:rPr lang="ru-RU" sz="2000" dirty="0" smtClean="0"/>
-              <a:t>При входящих </a:t>
-            </a:r>
-            <a:r>
-              <a:rPr lang="ru-RU" sz="2000" dirty="0" smtClean="0"/>
-              <a:t>соединениях</a:t>
-            </a:r>
-          </a:p>
-          <a:p>
-            <a:r>
-              <a:rPr lang="ru-RU" sz="2000" dirty="0" smtClean="0"/>
-              <a:t>на </a:t>
-            </a:r>
-            <a:r>
-              <a:rPr lang="ru-RU" sz="2000" b="1" dirty="0" smtClean="0"/>
-              <a:t>сервере</a:t>
-            </a:r>
-            <a:r>
-              <a:rPr lang="ru-RU" sz="2000" dirty="0" smtClean="0"/>
-              <a:t> </a:t>
-            </a:r>
-            <a:r>
-              <a:rPr lang="ru-RU" sz="2000" dirty="0" smtClean="0"/>
-              <a:t>создается</a:t>
-            </a:r>
-            <a:r>
-              <a:rPr lang="ru-RU" sz="2000" dirty="0" smtClean="0"/>
-              <a:t> </a:t>
-            </a:r>
-          </a:p>
-          <a:p>
-            <a:r>
-              <a:rPr lang="ru-RU" sz="2000" dirty="0" smtClean="0"/>
-              <a:t>новый </a:t>
-            </a:r>
-            <a:r>
-              <a:rPr lang="ru-RU" sz="2000" dirty="0" smtClean="0"/>
-              <a:t>поток, </a:t>
-            </a:r>
-            <a:endParaRPr lang="ru-RU" sz="2000" dirty="0" smtClean="0"/>
-          </a:p>
-          <a:p>
-            <a:r>
-              <a:rPr lang="ru-RU" sz="2000" dirty="0" smtClean="0"/>
-              <a:t>делающий </a:t>
-            </a:r>
-            <a:r>
-              <a:rPr lang="ru-RU" sz="2000" dirty="0" smtClean="0"/>
-              <a:t>вставку </a:t>
-            </a:r>
-            <a:endParaRPr lang="ru-RU" sz="2000" dirty="0" smtClean="0"/>
-          </a:p>
-          <a:p>
-            <a:r>
-              <a:rPr lang="ru-RU" sz="2000" dirty="0" smtClean="0"/>
-              <a:t>или </a:t>
-            </a:r>
-            <a:r>
-              <a:rPr lang="ru-RU" sz="2000" dirty="0" smtClean="0"/>
-              <a:t>получение </a:t>
-            </a:r>
-          </a:p>
-          <a:p>
-            <a:r>
-              <a:rPr lang="ru-RU" sz="2000" dirty="0" smtClean="0"/>
-              <a:t>данных </a:t>
-            </a:r>
-            <a:r>
-              <a:rPr lang="ru-RU" sz="2000" dirty="0" smtClean="0"/>
-              <a:t>из </a:t>
-            </a:r>
-            <a:r>
-              <a:rPr lang="ru-RU" sz="2000" b="1" dirty="0" smtClean="0"/>
-              <a:t>БД</a:t>
-            </a:r>
-          </a:p>
-        </p:txBody>
-      </p:sp>
     </p:spTree>
   </p:cSld>
   <p:clrMapOvr>
@@ -7826,46 +8265,9 @@
           <a:chExt cx="0" cy="0"/>
         </a:xfrm>
       </p:grpSpPr>
-      <p:sp>
-        <p:nvSpPr>
-          <p:cNvPr id="2" name="Заголовок 1"/>
-          <p:cNvSpPr>
-            <a:spLocks noGrp="1"/>
-          </p:cNvSpPr>
-          <p:nvPr>
-            <p:ph type="title"/>
-          </p:nvPr>
-        </p:nvSpPr>
-        <p:spPr>
-          <a:xfrm>
-            <a:off x="755576" y="188640"/>
-            <a:ext cx="7467600" cy="580926"/>
-          </a:xfrm>
-        </p:spPr>
-        <p:txBody>
-          <a:bodyPr/>
-          <a:lstStyle/>
-          <a:p>
-            <a:pPr algn="ctr"/>
-            <a:r>
-              <a:rPr lang="ru-RU" dirty="0" smtClean="0">
-                <a:solidFill>
-                  <a:schemeClr val="tx1"/>
-                </a:solidFill>
-              </a:rPr>
-              <a:t>База данных</a:t>
-            </a:r>
-            <a:endParaRPr lang="ru-RU" dirty="0">
-              <a:solidFill>
-                <a:schemeClr val="tx1"/>
-              </a:solidFill>
-            </a:endParaRPr>
-          </a:p>
-        </p:txBody>
-      </p:sp>
       <p:pic>
         <p:nvPicPr>
-          <p:cNvPr id="7170" name="Picture 2"/>
+          <p:cNvPr id="4098" name="Picture 2"/>
           <p:cNvPicPr>
             <a:picLocks noGrp="1" noChangeAspect="1" noChangeArrowheads="1"/>
           </p:cNvPicPr>
@@ -7882,8 +8284,8 @@
         </p:blipFill>
         <p:spPr bwMode="auto">
           <a:xfrm>
-            <a:off x="395536" y="1556792"/>
-            <a:ext cx="5638415" cy="2736304"/>
+            <a:off x="323528" y="1196752"/>
+            <a:ext cx="5532115" cy="4137694"/>
           </a:xfrm>
           <a:prstGeom prst="rect">
             <a:avLst/>
@@ -7899,14 +8301,77 @@
       </p:pic>
       <p:sp>
         <p:nvSpPr>
-          <p:cNvPr id="9" name="TextBox 8"/>
+          <p:cNvPr id="2" name="Заголовок 1"/>
+          <p:cNvSpPr>
+            <a:spLocks noGrp="1"/>
+          </p:cNvSpPr>
+          <p:nvPr>
+            <p:ph type="title"/>
+          </p:nvPr>
+        </p:nvSpPr>
+        <p:spPr>
+          <a:xfrm>
+            <a:off x="755576" y="404664"/>
+            <a:ext cx="7467600" cy="580926"/>
+          </a:xfrm>
+        </p:spPr>
+        <p:txBody>
+          <a:bodyPr>
+            <a:normAutofit fontScale="90000"/>
+          </a:bodyPr>
+          <a:lstStyle/>
+          <a:p>
+            <a:pPr algn="ctr"/>
+            <a:r>
+              <a:rPr lang="ru-RU" dirty="0" smtClean="0">
+                <a:solidFill>
+                  <a:schemeClr val="tx1"/>
+                </a:solidFill>
+              </a:rPr>
+              <a:t>Межсетевое </a:t>
+            </a:r>
+            <a:r>
+              <a:rPr lang="ru-RU" dirty="0" smtClean="0">
+                <a:solidFill>
+                  <a:schemeClr val="tx1"/>
+                </a:solidFill>
+              </a:rPr>
+              <a:t>взаимодействие (</a:t>
+            </a:r>
+            <a:r>
+              <a:rPr lang="ru-RU" dirty="0" err="1" smtClean="0">
+                <a:solidFill>
+                  <a:schemeClr val="tx1"/>
+                </a:solidFill>
+              </a:rPr>
+              <a:t>мультиплеер</a:t>
+            </a:r>
+            <a:r>
+              <a:rPr lang="ru-RU" dirty="0" smtClean="0">
+                <a:solidFill>
+                  <a:schemeClr val="tx1"/>
+                </a:solidFill>
+              </a:rPr>
+              <a:t>)</a:t>
+            </a:r>
+            <a:endParaRPr lang="ru-RU" dirty="0">
+              <a:solidFill>
+                <a:schemeClr val="tx1"/>
+              </a:solidFill>
+            </a:endParaRPr>
+          </a:p>
+        </p:txBody>
+      </p:sp>
+      <p:sp>
+        <p:nvSpPr>
+          <p:cNvPr id="8" name="TextBox 7"/>
           <p:cNvSpPr txBox="1"/>
           <p:nvPr/>
         </p:nvSpPr>
         <p:spPr>
           <a:xfrm>
-            <a:off x="611560" y="1124744"/>
-            <a:ext cx="4328429" cy="400110"/>
+            <a:off x="5514480" y="3645024"/>
+            <a:ext cx="3629520" cy="1631216"/>
           </a:xfrm>
           <a:prstGeom prst="rect">
             <a:avLst/>
@@ -7921,99 +8386,54 @@
           <a:p>
             <a:r>
               <a:rPr lang="ru-RU" sz="2000" dirty="0" smtClean="0"/>
-              <a:t>База данных состоит из 2 таблиц:</a:t>
-            </a:r>
-            <a:endParaRPr lang="ru-RU" sz="2000" dirty="0"/>
-          </a:p>
-        </p:txBody>
-      </p:sp>
-      <p:sp>
-        <p:nvSpPr>
-          <p:cNvPr id="10" name="TextBox 9"/>
-          <p:cNvSpPr txBox="1"/>
-          <p:nvPr/>
-        </p:nvSpPr>
-        <p:spPr>
-          <a:xfrm>
-            <a:off x="6372200" y="3356992"/>
-            <a:ext cx="2380780" cy="1292662"/>
-          </a:xfrm>
-          <a:prstGeom prst="rect">
-            <a:avLst/>
-          </a:prstGeom>
-          <a:noFill/>
-        </p:spPr>
-        <p:txBody>
-          <a:bodyPr wrap="none" rtlCol="0">
-            <a:spAutoFit/>
-          </a:bodyPr>
-          <a:lstStyle/>
-          <a:p>
-            <a:r>
-              <a:rPr lang="ru-RU" sz="2000" dirty="0" err="1" smtClean="0"/>
-              <a:t>Взаимдействие</a:t>
+              <a:t>При входящих соединениях</a:t>
+            </a:r>
+          </a:p>
+          <a:p>
+            <a:r>
+              <a:rPr lang="ru-RU" sz="2000" dirty="0" smtClean="0"/>
+              <a:t>на </a:t>
+            </a:r>
+            <a:r>
+              <a:rPr lang="ru-RU" sz="2000" b="1" dirty="0" smtClean="0"/>
+              <a:t>игровой сервер</a:t>
+            </a:r>
+          </a:p>
+          <a:p>
+            <a:r>
+              <a:rPr lang="ru-RU" sz="2000" dirty="0" smtClean="0"/>
+              <a:t>д</a:t>
+            </a:r>
+            <a:r>
+              <a:rPr lang="ru-RU" sz="2000" dirty="0" smtClean="0"/>
+              <a:t>анные двух игроков </a:t>
+            </a:r>
+          </a:p>
+          <a:p>
+            <a:r>
+              <a:rPr lang="ru-RU" sz="2000" dirty="0" smtClean="0"/>
+              <a:t>н</a:t>
+            </a:r>
+            <a:r>
+              <a:rPr lang="ru-RU" sz="2000" dirty="0" smtClean="0"/>
+              <a:t>ачинают обрабатываться</a:t>
+            </a:r>
+          </a:p>
+          <a:p>
+            <a:r>
+              <a:rPr lang="ru-RU" sz="2000" dirty="0" smtClean="0"/>
+              <a:t>в новом потоке</a:t>
             </a:r>
             <a:endParaRPr lang="ru-RU" sz="2000" dirty="0" smtClean="0"/>
           </a:p>
-          <a:p>
-            <a:r>
-              <a:rPr lang="ru-RU" sz="2000" dirty="0" smtClean="0"/>
-              <a:t>с БД реализовано</a:t>
-            </a:r>
-          </a:p>
-          <a:p>
-            <a:r>
-              <a:rPr lang="ru-RU" sz="2000" dirty="0" smtClean="0"/>
-              <a:t>по паттерну </a:t>
-            </a:r>
-            <a:r>
-              <a:rPr lang="en-US" sz="2000" b="1" dirty="0" smtClean="0"/>
-              <a:t>DAO</a:t>
-            </a:r>
-            <a:endParaRPr lang="ru-RU" sz="2000" b="1" dirty="0" smtClean="0"/>
-          </a:p>
-          <a:p>
-            <a:endParaRPr lang="ru-RU" dirty="0"/>
-          </a:p>
-        </p:txBody>
-      </p:sp>
-      <p:pic>
-        <p:nvPicPr>
-          <p:cNvPr id="7171" name="Picture 3"/>
-          <p:cNvPicPr>
-            <a:picLocks noChangeAspect="1" noChangeArrowheads="1"/>
-          </p:cNvPicPr>
-          <p:nvPr/>
-        </p:nvPicPr>
-        <p:blipFill>
-          <a:blip r:embed="rId4" cstate="print"/>
-          <a:srcRect/>
-          <a:stretch>
-            <a:fillRect/>
-          </a:stretch>
-        </p:blipFill>
-        <p:spPr bwMode="auto">
-          <a:xfrm>
-            <a:off x="611560" y="4797152"/>
-            <a:ext cx="6343650" cy="1155700"/>
-          </a:xfrm>
-          <a:prstGeom prst="rect">
-            <a:avLst/>
-          </a:prstGeom>
-          <a:noFill/>
-          <a:ln w="9525">
-            <a:noFill/>
-            <a:miter lim="800000"/>
-            <a:headEnd/>
-            <a:tailEnd/>
-          </a:ln>
-        </p:spPr>
-      </p:pic>
+        </p:txBody>
+      </p:sp>
     </p:spTree>
   </p:cSld>
   <p:clrMapOvr>
     <a:masterClrMapping/>
   </p:clrMapOvr>
+  <p:transition advClick="0"/>
   <p:timing>
     <p:tnLst>
       <p:par>
@@ -8041,6 +8461,40 @@
           <a:chExt cx="0" cy="0"/>
         </a:xfrm>
       </p:grpSpPr>
+      <p:pic>
+        <p:nvPicPr>
+          <p:cNvPr id="6149" name="Picture 5"/>
+          <p:cNvPicPr>
+            <a:picLocks noGrp="1" noChangeAspect="1" noChangeArrowheads="1"/>
+          </p:cNvPicPr>
+          <p:nvPr>
+            <p:ph sz="quarter" idx="1"/>
+          </p:nvPr>
+        </p:nvPicPr>
+        <p:blipFill>
+          <a:blip r:embed="rId3" cstate="print"/>
+          <a:srcRect/>
+          <a:stretch>
+            <a:fillRect/>
+          </a:stretch>
+        </p:blipFill>
+        <p:spPr bwMode="auto">
+          <a:xfrm>
+            <a:off x="0" y="548680"/>
+            <a:ext cx="8279771" cy="5256584"/>
+          </a:xfrm>
+          <a:prstGeom prst="rect">
+            <a:avLst/>
+          </a:prstGeom>
+          <a:noFill/>
+          <a:ln w="9525">
+            <a:noFill/>
+            <a:miter lim="800000"/>
+            <a:headEnd/>
+            <a:tailEnd/>
+          </a:ln>
+        </p:spPr>
+      </p:pic>
       <p:sp>
         <p:nvSpPr>
           <p:cNvPr id="2" name="Заголовок 1"/>
@@ -8053,30 +8507,111 @@
         </p:nvSpPr>
         <p:spPr>
           <a:xfrm>
-            <a:off x="755576" y="2276872"/>
-            <a:ext cx="7467600" cy="1143000"/>
-          </a:xfrm>
-        </p:spPr>
-        <p:txBody>
-          <a:bodyPr>
-            <a:normAutofit/>
-          </a:bodyPr>
+            <a:off x="755576" y="188640"/>
+            <a:ext cx="7467600" cy="580926"/>
+          </a:xfrm>
+        </p:spPr>
+        <p:txBody>
+          <a:bodyPr/>
           <a:lstStyle/>
           <a:p>
             <a:pPr algn="ctr"/>
             <a:r>
-              <a:rPr lang="ru-RU" sz="4400" dirty="0" smtClean="0">
+              <a:rPr lang="ru-RU" dirty="0" smtClean="0">
                 <a:solidFill>
                   <a:schemeClr val="tx1"/>
                 </a:solidFill>
               </a:rPr>
-              <a:t>Спасибо за внимание</a:t>
-            </a:r>
-            <a:endParaRPr lang="ru-RU" sz="4400" dirty="0">
+              <a:t>Межсетевое </a:t>
+            </a:r>
+            <a:r>
+              <a:rPr lang="ru-RU" dirty="0" smtClean="0">
+                <a:solidFill>
+                  <a:schemeClr val="tx1"/>
+                </a:solidFill>
+              </a:rPr>
+              <a:t>взаимодействие (БД)</a:t>
+            </a:r>
+            <a:endParaRPr lang="ru-RU" dirty="0">
               <a:solidFill>
                 <a:schemeClr val="tx1"/>
               </a:solidFill>
             </a:endParaRPr>
+          </a:p>
+        </p:txBody>
+      </p:sp>
+      <p:sp>
+        <p:nvSpPr>
+          <p:cNvPr id="8" name="TextBox 7"/>
+          <p:cNvSpPr txBox="1"/>
+          <p:nvPr/>
+        </p:nvSpPr>
+        <p:spPr>
+          <a:xfrm>
+            <a:off x="5004048" y="3645024"/>
+            <a:ext cx="3629520" cy="1938992"/>
+          </a:xfrm>
+          <a:prstGeom prst="rect">
+            <a:avLst/>
+          </a:prstGeom>
+          <a:noFill/>
+        </p:spPr>
+        <p:txBody>
+          <a:bodyPr wrap="none" rtlCol="0">
+            <a:spAutoFit/>
+          </a:bodyPr>
+          <a:lstStyle/>
+          <a:p>
+            <a:r>
+              <a:rPr lang="ru-RU" sz="2000" dirty="0" smtClean="0"/>
+              <a:t>При входящих соединениях</a:t>
+            </a:r>
+          </a:p>
+          <a:p>
+            <a:r>
+              <a:rPr lang="ru-RU" sz="2000" dirty="0" smtClean="0"/>
+              <a:t>на </a:t>
+            </a:r>
+            <a:r>
+              <a:rPr lang="ru-RU" sz="2000" b="1" dirty="0" smtClean="0"/>
+              <a:t>сервере БД</a:t>
+            </a:r>
+            <a:r>
+              <a:rPr lang="ru-RU" sz="2000" dirty="0" smtClean="0"/>
+              <a:t> </a:t>
+            </a:r>
+            <a:r>
+              <a:rPr lang="ru-RU" sz="2000" dirty="0" smtClean="0"/>
+              <a:t>создается </a:t>
+            </a:r>
+          </a:p>
+          <a:p>
+            <a:r>
+              <a:rPr lang="ru-RU" sz="2000" dirty="0" smtClean="0"/>
+              <a:t>новый поток, </a:t>
+            </a:r>
+          </a:p>
+          <a:p>
+            <a:r>
+              <a:rPr lang="ru-RU" sz="2000" dirty="0" smtClean="0"/>
+              <a:t>делающий вставку </a:t>
+            </a:r>
+          </a:p>
+          <a:p>
+            <a:r>
+              <a:rPr lang="ru-RU" sz="2000" dirty="0" smtClean="0"/>
+              <a:t>или получение </a:t>
+            </a:r>
+          </a:p>
+          <a:p>
+            <a:r>
+              <a:rPr lang="ru-RU" sz="2000" dirty="0" smtClean="0"/>
+              <a:t>данных из </a:t>
+            </a:r>
+            <a:r>
+              <a:rPr lang="ru-RU" sz="2000" b="1" dirty="0" smtClean="0"/>
+              <a:t>БД</a:t>
+            </a:r>
           </a:p>
         </p:txBody>
       </p:sp>
@@ -8085,6 +8620,13 @@
   <p:clrMapOvr>
     <a:masterClrMapping/>
   </p:clrMapOvr>
+  <p:timing>
+    <p:tnLst>
+      <p:par>
+        <p:cTn id="1" dur="indefinite" restart="never" nodeType="tmRoot"/>
+      </p:par>
+    </p:tnLst>
+  </p:timing>
 </p:sld>
 </file>
 
